--- a/Lecture Slides/VideoLectureSlides/6.3.pptx
+++ b/Lecture Slides/VideoLectureSlides/6.3.pptx
@@ -5,7 +5,7 @@
     <p:sldMasterId id="2147483660" r:id="rId4"/>
   </p:sldMasterIdLst>
   <p:notesMasterIdLst>
-    <p:notesMasterId r:id="rId19"/>
+    <p:notesMasterId r:id="rId20"/>
   </p:notesMasterIdLst>
   <p:sldIdLst>
     <p:sldId id="256" r:id="rId5"/>
@@ -21,7 +21,8 @@
     <p:sldId id="296" r:id="rId15"/>
     <p:sldId id="297" r:id="rId16"/>
     <p:sldId id="287" r:id="rId17"/>
-    <p:sldId id="278" r:id="rId18"/>
+    <p:sldId id="299" r:id="rId18"/>
+    <p:sldId id="278" r:id="rId19"/>
   </p:sldIdLst>
   <p:sldSz cx="9144000" cy="6858000" type="screen4x3"/>
   <p:notesSz cx="6858000" cy="9144000"/>
@@ -235,7 +236,7 @@
           <a:p>
             <a:fld id="{1AA1AB63-216F-4D5B-8811-CCB935E98D4A}" type="datetimeFigureOut">
               <a:rPr lang="en-US" smtClean="0"/>
-              <a:t>7/6/2021</a:t>
+              <a:t>9/20/2021</a:t>
             </a:fld>
             <a:endParaRPr lang="en-US"/>
           </a:p>
@@ -7178,6 +7179,1150 @@
           <p:cNvPr id="2" name="Title 1">
             <a:extLst>
               <a:ext uri="{FF2B5EF4-FFF2-40B4-BE49-F238E27FC236}">
+                <a16:creationId xmlns:a16="http://schemas.microsoft.com/office/drawing/2014/main" id="{6CE84006-1C54-4FF5-850D-E4B497777864}"/>
+              </a:ext>
+            </a:extLst>
+          </p:cNvPr>
+          <p:cNvSpPr>
+            <a:spLocks noGrp="1"/>
+          </p:cNvSpPr>
+          <p:nvPr>
+            <p:ph type="title"/>
+          </p:nvPr>
+        </p:nvSpPr>
+        <p:spPr/>
+        <p:txBody>
+          <a:bodyPr>
+            <a:normAutofit fontScale="90000"/>
+          </a:bodyPr>
+          <a:lstStyle/>
+          <a:p>
+            <a:r>
+              <a:rPr lang="en-US" dirty="0"/>
+              <a:t>Axial Force Diagram Worked Example</a:t>
+            </a:r>
+          </a:p>
+        </p:txBody>
+      </p:sp>
+      <p:sp>
+        <p:nvSpPr>
+          <p:cNvPr id="3" name="Content Placeholder 2">
+            <a:extLst>
+              <a:ext uri="{FF2B5EF4-FFF2-40B4-BE49-F238E27FC236}">
+                <a16:creationId xmlns:a16="http://schemas.microsoft.com/office/drawing/2014/main" id="{F0DA6D19-A370-4501-973E-4DD46125268A}"/>
+              </a:ext>
+            </a:extLst>
+          </p:cNvPr>
+          <p:cNvSpPr>
+            <a:spLocks noGrp="1"/>
+          </p:cNvSpPr>
+          <p:nvPr>
+            <p:ph idx="1"/>
+          </p:nvPr>
+        </p:nvSpPr>
+        <p:spPr>
+          <a:xfrm>
+            <a:off x="457200" y="1600201"/>
+            <a:ext cx="8229600" cy="1828800"/>
+          </a:xfrm>
+        </p:spPr>
+        <p:txBody>
+          <a:bodyPr>
+            <a:normAutofit fontScale="92500"/>
+          </a:bodyPr>
+          <a:lstStyle/>
+          <a:p>
+            <a:r>
+              <a:rPr lang="en-US" dirty="0"/>
+              <a:t>A wooden beam is subjected to the forces shown below (forces applied at base of vector). Draw the axial force diagram for the beam.</a:t>
+            </a:r>
+          </a:p>
+          <a:p>
+            <a:endParaRPr lang="en-US" dirty="0"/>
+          </a:p>
+        </p:txBody>
+      </p:sp>
+      <p:sp>
+        <p:nvSpPr>
+          <p:cNvPr id="4" name="Slide Number Placeholder 3">
+            <a:extLst>
+              <a:ext uri="{FF2B5EF4-FFF2-40B4-BE49-F238E27FC236}">
+                <a16:creationId xmlns:a16="http://schemas.microsoft.com/office/drawing/2014/main" id="{9CA727A9-F988-4B64-BD3B-0632ED6CCA6E}"/>
+              </a:ext>
+            </a:extLst>
+          </p:cNvPr>
+          <p:cNvSpPr>
+            <a:spLocks noGrp="1"/>
+          </p:cNvSpPr>
+          <p:nvPr>
+            <p:ph type="sldNum" sz="quarter" idx="12"/>
+          </p:nvPr>
+        </p:nvSpPr>
+        <p:spPr/>
+        <p:txBody>
+          <a:bodyPr/>
+          <a:lstStyle/>
+          <a:p>
+            <a:fld id="{929262FE-7F58-4A1E-8AF3-5A510A86DEBD}" type="slidenum">
+              <a:rPr lang="en-US" smtClean="0"/>
+              <a:t>14</a:t>
+            </a:fld>
+            <a:endParaRPr lang="en-US"/>
+          </a:p>
+        </p:txBody>
+      </p:sp>
+      <p:sp>
+        <p:nvSpPr>
+          <p:cNvPr id="5" name="Cube 4">
+            <a:extLst>
+              <a:ext uri="{FF2B5EF4-FFF2-40B4-BE49-F238E27FC236}">
+                <a16:creationId xmlns:a16="http://schemas.microsoft.com/office/drawing/2014/main" id="{CBA7EAE3-AB4D-4075-9F18-A41F2F99F664}"/>
+              </a:ext>
+            </a:extLst>
+          </p:cNvPr>
+          <p:cNvSpPr/>
+          <p:nvPr/>
+        </p:nvSpPr>
+        <p:spPr>
+          <a:xfrm>
+            <a:off x="1219200" y="4800600"/>
+            <a:ext cx="6705600" cy="533400"/>
+          </a:xfrm>
+          <a:prstGeom prst="cube">
+            <a:avLst>
+              <a:gd name="adj" fmla="val 48214"/>
+            </a:avLst>
+          </a:prstGeom>
+          <a:solidFill>
+            <a:schemeClr val="bg2">
+              <a:lumMod val="75000"/>
+            </a:schemeClr>
+          </a:solidFill>
+          <a:ln>
+            <a:solidFill>
+              <a:schemeClr val="bg2">
+                <a:lumMod val="50000"/>
+              </a:schemeClr>
+            </a:solidFill>
+          </a:ln>
+        </p:spPr>
+        <p:style>
+          <a:lnRef idx="2">
+            <a:schemeClr val="accent1">
+              <a:shade val="50000"/>
+            </a:schemeClr>
+          </a:lnRef>
+          <a:fillRef idx="1">
+            <a:schemeClr val="accent1"/>
+          </a:fillRef>
+          <a:effectRef idx="0">
+            <a:schemeClr val="accent1"/>
+          </a:effectRef>
+          <a:fontRef idx="minor">
+            <a:schemeClr val="lt1"/>
+          </a:fontRef>
+        </p:style>
+        <p:txBody>
+          <a:bodyPr rtlCol="0" anchor="ctr"/>
+          <a:lstStyle/>
+          <a:p>
+            <a:pPr algn="ctr"/>
+            <a:endParaRPr lang="en-US"/>
+          </a:p>
+        </p:txBody>
+      </p:sp>
+      <p:cxnSp>
+        <p:nvCxnSpPr>
+          <p:cNvPr id="6" name="Straight Connector 5">
+            <a:extLst>
+              <a:ext uri="{FF2B5EF4-FFF2-40B4-BE49-F238E27FC236}">
+                <a16:creationId xmlns:a16="http://schemas.microsoft.com/office/drawing/2014/main" id="{92403CC9-C102-4A6D-A3F7-7A9EEFD1451A}"/>
+              </a:ext>
+            </a:extLst>
+          </p:cNvPr>
+          <p:cNvCxnSpPr>
+            <a:cxnSpLocks/>
+          </p:cNvCxnSpPr>
+          <p:nvPr/>
+        </p:nvCxnSpPr>
+        <p:spPr>
+          <a:xfrm flipH="1">
+            <a:off x="1219200" y="5657850"/>
+            <a:ext cx="6438900" cy="0"/>
+          </a:xfrm>
+          <a:prstGeom prst="line">
+            <a:avLst/>
+          </a:prstGeom>
+          <a:noFill/>
+          <a:ln w="6350" cap="flat" cmpd="sng" algn="ctr">
+            <a:solidFill>
+              <a:srgbClr val="5B9BD5"/>
+            </a:solidFill>
+            <a:prstDash val="solid"/>
+            <a:miter lim="800000"/>
+          </a:ln>
+          <a:effectLst/>
+        </p:spPr>
+      </p:cxnSp>
+      <p:sp>
+        <p:nvSpPr>
+          <p:cNvPr id="8" name="TextBox 7">
+            <a:extLst>
+              <a:ext uri="{FF2B5EF4-FFF2-40B4-BE49-F238E27FC236}">
+                <a16:creationId xmlns:a16="http://schemas.microsoft.com/office/drawing/2014/main" id="{3ECA7141-508D-4873-98CD-6DA1433F2DDD}"/>
+              </a:ext>
+            </a:extLst>
+          </p:cNvPr>
+          <p:cNvSpPr txBox="1"/>
+          <p:nvPr/>
+        </p:nvSpPr>
+        <p:spPr>
+          <a:xfrm>
+            <a:off x="4292477" y="5867731"/>
+            <a:ext cx="308098" cy="369332"/>
+          </a:xfrm>
+          <a:prstGeom prst="rect">
+            <a:avLst/>
+          </a:prstGeom>
+          <a:noFill/>
+        </p:spPr>
+        <p:txBody>
+          <a:bodyPr wrap="none" rtlCol="0">
+            <a:spAutoFit/>
+          </a:bodyPr>
+          <a:lstStyle/>
+          <a:p>
+            <a:pPr marL="0" marR="0" lvl="0" indent="0" algn="ctr" defTabSz="914400" eaLnBrk="1" fontAlgn="auto" latinLnBrk="0" hangingPunct="1">
+              <a:lnSpc>
+                <a:spcPct val="100000"/>
+              </a:lnSpc>
+              <a:spcBef>
+                <a:spcPts val="0"/>
+              </a:spcBef>
+              <a:spcAft>
+                <a:spcPts val="0"/>
+              </a:spcAft>
+              <a:buClrTx/>
+              <a:buSzTx/>
+              <a:buFontTx/>
+              <a:buNone/>
+              <a:tabLst/>
+              <a:defRPr/>
+            </a:pPr>
+            <a:r>
+              <a:rPr kumimoji="0" lang="en-US" sz="1800" b="0" i="0" u="none" strike="noStrike" kern="0" cap="none" spc="0" normalizeH="0" baseline="0" noProof="0" dirty="0">
+                <a:ln>
+                  <a:noFill/>
+                </a:ln>
+                <a:solidFill>
+                  <a:prstClr val="black"/>
+                </a:solidFill>
+                <a:effectLst/>
+                <a:uLnTx/>
+                <a:uFillTx/>
+              </a:rPr>
+              <a:t>C</a:t>
+            </a:r>
+          </a:p>
+        </p:txBody>
+      </p:sp>
+      <p:cxnSp>
+        <p:nvCxnSpPr>
+          <p:cNvPr id="10" name="Straight Connector 9">
+            <a:extLst>
+              <a:ext uri="{FF2B5EF4-FFF2-40B4-BE49-F238E27FC236}">
+                <a16:creationId xmlns:a16="http://schemas.microsoft.com/office/drawing/2014/main" id="{8AF65A33-4D70-47AB-B372-421DADCE5334}"/>
+              </a:ext>
+            </a:extLst>
+          </p:cNvPr>
+          <p:cNvCxnSpPr>
+            <a:cxnSpLocks/>
+          </p:cNvCxnSpPr>
+          <p:nvPr/>
+        </p:nvCxnSpPr>
+        <p:spPr>
+          <a:xfrm flipH="1">
+            <a:off x="1219200" y="5467350"/>
+            <a:ext cx="0" cy="388798"/>
+          </a:xfrm>
+          <a:prstGeom prst="line">
+            <a:avLst/>
+          </a:prstGeom>
+          <a:noFill/>
+          <a:ln w="6350" cap="flat" cmpd="sng" algn="ctr">
+            <a:solidFill>
+              <a:srgbClr val="5B9BD5"/>
+            </a:solidFill>
+            <a:prstDash val="solid"/>
+            <a:miter lim="800000"/>
+          </a:ln>
+          <a:effectLst/>
+        </p:spPr>
+      </p:cxnSp>
+      <p:sp>
+        <p:nvSpPr>
+          <p:cNvPr id="11" name="TextBox 10">
+            <a:extLst>
+              <a:ext uri="{FF2B5EF4-FFF2-40B4-BE49-F238E27FC236}">
+                <a16:creationId xmlns:a16="http://schemas.microsoft.com/office/drawing/2014/main" id="{B6C5614A-499A-4A8A-BE0C-9EB09B811E06}"/>
+              </a:ext>
+            </a:extLst>
+          </p:cNvPr>
+          <p:cNvSpPr txBox="1"/>
+          <p:nvPr/>
+        </p:nvSpPr>
+        <p:spPr>
+          <a:xfrm>
+            <a:off x="1586771" y="5494198"/>
+            <a:ext cx="874583" cy="369332"/>
+          </a:xfrm>
+          <a:prstGeom prst="rect">
+            <a:avLst/>
+          </a:prstGeom>
+          <a:solidFill>
+            <a:sysClr val="window" lastClr="FFFFFF"/>
+          </a:solidFill>
+        </p:spPr>
+        <p:txBody>
+          <a:bodyPr wrap="square" rtlCol="0">
+            <a:spAutoFit/>
+          </a:bodyPr>
+          <a:lstStyle/>
+          <a:p>
+            <a:pPr marL="0" marR="0" lvl="0" indent="0" algn="ctr" defTabSz="914400" eaLnBrk="1" fontAlgn="auto" latinLnBrk="0" hangingPunct="1">
+              <a:lnSpc>
+                <a:spcPct val="100000"/>
+              </a:lnSpc>
+              <a:spcBef>
+                <a:spcPts val="0"/>
+              </a:spcBef>
+              <a:spcAft>
+                <a:spcPts val="0"/>
+              </a:spcAft>
+              <a:buClrTx/>
+              <a:buSzTx/>
+              <a:buFontTx/>
+              <a:buNone/>
+              <a:tabLst/>
+              <a:defRPr/>
+            </a:pPr>
+            <a:r>
+              <a:rPr lang="en-US" kern="0" dirty="0">
+                <a:solidFill>
+                  <a:srgbClr val="5B9BD5"/>
+                </a:solidFill>
+              </a:rPr>
+              <a:t>12 in</a:t>
+            </a:r>
+            <a:endParaRPr kumimoji="0" lang="en-US" sz="1800" b="0" i="0" u="none" strike="noStrike" kern="0" cap="none" spc="0" normalizeH="0" baseline="0" noProof="0" dirty="0">
+              <a:ln>
+                <a:noFill/>
+              </a:ln>
+              <a:solidFill>
+                <a:srgbClr val="5B9BD5"/>
+              </a:solidFill>
+              <a:effectLst/>
+              <a:uLnTx/>
+              <a:uFillTx/>
+            </a:endParaRPr>
+          </a:p>
+        </p:txBody>
+      </p:sp>
+      <p:cxnSp>
+        <p:nvCxnSpPr>
+          <p:cNvPr id="12" name="Straight Connector 11">
+            <a:extLst>
+              <a:ext uri="{FF2B5EF4-FFF2-40B4-BE49-F238E27FC236}">
+                <a16:creationId xmlns:a16="http://schemas.microsoft.com/office/drawing/2014/main" id="{43126CF6-3412-4EDF-B495-F3F9B8B6E111}"/>
+              </a:ext>
+            </a:extLst>
+          </p:cNvPr>
+          <p:cNvCxnSpPr>
+            <a:cxnSpLocks/>
+          </p:cNvCxnSpPr>
+          <p:nvPr/>
+        </p:nvCxnSpPr>
+        <p:spPr>
+          <a:xfrm flipH="1">
+            <a:off x="2828925" y="5467350"/>
+            <a:ext cx="0" cy="388798"/>
+          </a:xfrm>
+          <a:prstGeom prst="line">
+            <a:avLst/>
+          </a:prstGeom>
+          <a:noFill/>
+          <a:ln w="6350" cap="flat" cmpd="sng" algn="ctr">
+            <a:solidFill>
+              <a:srgbClr val="5B9BD5"/>
+            </a:solidFill>
+            <a:prstDash val="solid"/>
+            <a:miter lim="800000"/>
+          </a:ln>
+          <a:effectLst/>
+        </p:spPr>
+      </p:cxnSp>
+      <p:cxnSp>
+        <p:nvCxnSpPr>
+          <p:cNvPr id="13" name="Straight Connector 12">
+            <a:extLst>
+              <a:ext uri="{FF2B5EF4-FFF2-40B4-BE49-F238E27FC236}">
+                <a16:creationId xmlns:a16="http://schemas.microsoft.com/office/drawing/2014/main" id="{7EFAB3CF-2F4C-4BF9-8F7D-8C4FB3D6503D}"/>
+              </a:ext>
+            </a:extLst>
+          </p:cNvPr>
+          <p:cNvCxnSpPr>
+            <a:cxnSpLocks/>
+          </p:cNvCxnSpPr>
+          <p:nvPr/>
+        </p:nvCxnSpPr>
+        <p:spPr>
+          <a:xfrm flipH="1">
+            <a:off x="4438650" y="5467350"/>
+            <a:ext cx="0" cy="388798"/>
+          </a:xfrm>
+          <a:prstGeom prst="line">
+            <a:avLst/>
+          </a:prstGeom>
+          <a:noFill/>
+          <a:ln w="6350" cap="flat" cmpd="sng" algn="ctr">
+            <a:solidFill>
+              <a:srgbClr val="5B9BD5"/>
+            </a:solidFill>
+            <a:prstDash val="solid"/>
+            <a:miter lim="800000"/>
+          </a:ln>
+          <a:effectLst/>
+        </p:spPr>
+      </p:cxnSp>
+      <p:cxnSp>
+        <p:nvCxnSpPr>
+          <p:cNvPr id="14" name="Straight Connector 13">
+            <a:extLst>
+              <a:ext uri="{FF2B5EF4-FFF2-40B4-BE49-F238E27FC236}">
+                <a16:creationId xmlns:a16="http://schemas.microsoft.com/office/drawing/2014/main" id="{C1F892DC-16E4-4A14-9549-C398BEC44A4C}"/>
+              </a:ext>
+            </a:extLst>
+          </p:cNvPr>
+          <p:cNvCxnSpPr>
+            <a:cxnSpLocks/>
+          </p:cNvCxnSpPr>
+          <p:nvPr/>
+        </p:nvCxnSpPr>
+        <p:spPr>
+          <a:xfrm flipH="1">
+            <a:off x="7658100" y="5467350"/>
+            <a:ext cx="0" cy="388798"/>
+          </a:xfrm>
+          <a:prstGeom prst="line">
+            <a:avLst/>
+          </a:prstGeom>
+          <a:noFill/>
+          <a:ln w="6350" cap="flat" cmpd="sng" algn="ctr">
+            <a:solidFill>
+              <a:srgbClr val="5B9BD5"/>
+            </a:solidFill>
+            <a:prstDash val="solid"/>
+            <a:miter lim="800000"/>
+          </a:ln>
+          <a:effectLst/>
+        </p:spPr>
+      </p:cxnSp>
+      <p:sp>
+        <p:nvSpPr>
+          <p:cNvPr id="16" name="TextBox 15">
+            <a:extLst>
+              <a:ext uri="{FF2B5EF4-FFF2-40B4-BE49-F238E27FC236}">
+                <a16:creationId xmlns:a16="http://schemas.microsoft.com/office/drawing/2014/main" id="{509D22CB-6C93-4366-9D34-4774361345F6}"/>
+              </a:ext>
+            </a:extLst>
+          </p:cNvPr>
+          <p:cNvSpPr txBox="1"/>
+          <p:nvPr/>
+        </p:nvSpPr>
+        <p:spPr>
+          <a:xfrm>
+            <a:off x="3268792" y="5476875"/>
+            <a:ext cx="874583" cy="369332"/>
+          </a:xfrm>
+          <a:prstGeom prst="rect">
+            <a:avLst/>
+          </a:prstGeom>
+          <a:solidFill>
+            <a:sysClr val="window" lastClr="FFFFFF"/>
+          </a:solidFill>
+        </p:spPr>
+        <p:txBody>
+          <a:bodyPr wrap="square" rtlCol="0">
+            <a:spAutoFit/>
+          </a:bodyPr>
+          <a:lstStyle/>
+          <a:p>
+            <a:pPr marL="0" marR="0" lvl="0" indent="0" algn="ctr" defTabSz="914400" eaLnBrk="1" fontAlgn="auto" latinLnBrk="0" hangingPunct="1">
+              <a:lnSpc>
+                <a:spcPct val="100000"/>
+              </a:lnSpc>
+              <a:spcBef>
+                <a:spcPts val="0"/>
+              </a:spcBef>
+              <a:spcAft>
+                <a:spcPts val="0"/>
+              </a:spcAft>
+              <a:buClrTx/>
+              <a:buSzTx/>
+              <a:buFontTx/>
+              <a:buNone/>
+              <a:tabLst/>
+              <a:defRPr/>
+            </a:pPr>
+            <a:r>
+              <a:rPr lang="en-US" kern="0" dirty="0">
+                <a:solidFill>
+                  <a:srgbClr val="5B9BD5"/>
+                </a:solidFill>
+              </a:rPr>
+              <a:t>12 in</a:t>
+            </a:r>
+            <a:endParaRPr kumimoji="0" lang="en-US" sz="1800" b="0" i="0" u="none" strike="noStrike" kern="0" cap="none" spc="0" normalizeH="0" baseline="0" noProof="0" dirty="0">
+              <a:ln>
+                <a:noFill/>
+              </a:ln>
+              <a:solidFill>
+                <a:srgbClr val="5B9BD5"/>
+              </a:solidFill>
+              <a:effectLst/>
+              <a:uLnTx/>
+              <a:uFillTx/>
+            </a:endParaRPr>
+          </a:p>
+        </p:txBody>
+      </p:sp>
+      <p:sp>
+        <p:nvSpPr>
+          <p:cNvPr id="17" name="TextBox 16">
+            <a:extLst>
+              <a:ext uri="{FF2B5EF4-FFF2-40B4-BE49-F238E27FC236}">
+                <a16:creationId xmlns:a16="http://schemas.microsoft.com/office/drawing/2014/main" id="{C5279244-31CF-455D-ACF3-47FA540C3F0E}"/>
+              </a:ext>
+            </a:extLst>
+          </p:cNvPr>
+          <p:cNvSpPr txBox="1"/>
+          <p:nvPr/>
+        </p:nvSpPr>
+        <p:spPr>
+          <a:xfrm>
+            <a:off x="5545267" y="5469493"/>
+            <a:ext cx="874583" cy="369332"/>
+          </a:xfrm>
+          <a:prstGeom prst="rect">
+            <a:avLst/>
+          </a:prstGeom>
+          <a:solidFill>
+            <a:sysClr val="window" lastClr="FFFFFF"/>
+          </a:solidFill>
+        </p:spPr>
+        <p:txBody>
+          <a:bodyPr wrap="square" rtlCol="0">
+            <a:spAutoFit/>
+          </a:bodyPr>
+          <a:lstStyle/>
+          <a:p>
+            <a:pPr marL="0" marR="0" lvl="0" indent="0" algn="ctr" defTabSz="914400" eaLnBrk="1" fontAlgn="auto" latinLnBrk="0" hangingPunct="1">
+              <a:lnSpc>
+                <a:spcPct val="100000"/>
+              </a:lnSpc>
+              <a:spcBef>
+                <a:spcPts val="0"/>
+              </a:spcBef>
+              <a:spcAft>
+                <a:spcPts val="0"/>
+              </a:spcAft>
+              <a:buClrTx/>
+              <a:buSzTx/>
+              <a:buFontTx/>
+              <a:buNone/>
+              <a:tabLst/>
+              <a:defRPr/>
+            </a:pPr>
+            <a:r>
+              <a:rPr lang="en-US" kern="0" dirty="0">
+                <a:solidFill>
+                  <a:srgbClr val="5B9BD5"/>
+                </a:solidFill>
+              </a:rPr>
+              <a:t>24 in</a:t>
+            </a:r>
+            <a:endParaRPr kumimoji="0" lang="en-US" sz="1800" b="0" i="0" u="none" strike="noStrike" kern="0" cap="none" spc="0" normalizeH="0" baseline="0" noProof="0" dirty="0">
+              <a:ln>
+                <a:noFill/>
+              </a:ln>
+              <a:solidFill>
+                <a:srgbClr val="5B9BD5"/>
+              </a:solidFill>
+              <a:effectLst/>
+              <a:uLnTx/>
+              <a:uFillTx/>
+            </a:endParaRPr>
+          </a:p>
+        </p:txBody>
+      </p:sp>
+      <p:cxnSp>
+        <p:nvCxnSpPr>
+          <p:cNvPr id="19" name="Straight Arrow Connector 18">
+            <a:extLst>
+              <a:ext uri="{FF2B5EF4-FFF2-40B4-BE49-F238E27FC236}">
+                <a16:creationId xmlns:a16="http://schemas.microsoft.com/office/drawing/2014/main" id="{BC74A78E-8FA1-48FD-997D-E4EAC910905E}"/>
+              </a:ext>
+            </a:extLst>
+          </p:cNvPr>
+          <p:cNvCxnSpPr>
+            <a:cxnSpLocks/>
+          </p:cNvCxnSpPr>
+          <p:nvPr/>
+        </p:nvCxnSpPr>
+        <p:spPr>
+          <a:xfrm>
+            <a:off x="1196246" y="5209858"/>
+            <a:ext cx="548640" cy="0"/>
+          </a:xfrm>
+          <a:prstGeom prst="straightConnector1">
+            <a:avLst/>
+          </a:prstGeom>
+          <a:ln>
+            <a:solidFill>
+              <a:srgbClr val="FF0000"/>
+            </a:solidFill>
+            <a:tailEnd type="triangle"/>
+          </a:ln>
+        </p:spPr>
+        <p:style>
+          <a:lnRef idx="3">
+            <a:schemeClr val="accent2"/>
+          </a:lnRef>
+          <a:fillRef idx="0">
+            <a:schemeClr val="accent2"/>
+          </a:fillRef>
+          <a:effectRef idx="2">
+            <a:schemeClr val="accent2"/>
+          </a:effectRef>
+          <a:fontRef idx="minor">
+            <a:schemeClr val="tx1"/>
+          </a:fontRef>
+        </p:style>
+      </p:cxnSp>
+      <p:cxnSp>
+        <p:nvCxnSpPr>
+          <p:cNvPr id="20" name="Straight Arrow Connector 19">
+            <a:extLst>
+              <a:ext uri="{FF2B5EF4-FFF2-40B4-BE49-F238E27FC236}">
+                <a16:creationId xmlns:a16="http://schemas.microsoft.com/office/drawing/2014/main" id="{81C42854-7527-4683-82B0-7ADA626A330E}"/>
+              </a:ext>
+            </a:extLst>
+          </p:cNvPr>
+          <p:cNvCxnSpPr>
+            <a:cxnSpLocks/>
+          </p:cNvCxnSpPr>
+          <p:nvPr/>
+        </p:nvCxnSpPr>
+        <p:spPr>
+          <a:xfrm flipH="1">
+            <a:off x="3890010" y="5209858"/>
+            <a:ext cx="548640" cy="0"/>
+          </a:xfrm>
+          <a:prstGeom prst="straightConnector1">
+            <a:avLst/>
+          </a:prstGeom>
+          <a:ln>
+            <a:solidFill>
+              <a:srgbClr val="FF0000"/>
+            </a:solidFill>
+            <a:tailEnd type="triangle"/>
+          </a:ln>
+        </p:spPr>
+        <p:style>
+          <a:lnRef idx="3">
+            <a:schemeClr val="accent2"/>
+          </a:lnRef>
+          <a:fillRef idx="0">
+            <a:schemeClr val="accent2"/>
+          </a:fillRef>
+          <a:effectRef idx="2">
+            <a:schemeClr val="accent2"/>
+          </a:effectRef>
+          <a:fontRef idx="minor">
+            <a:schemeClr val="tx1"/>
+          </a:fontRef>
+        </p:style>
+      </p:cxnSp>
+      <p:cxnSp>
+        <p:nvCxnSpPr>
+          <p:cNvPr id="25" name="Straight Arrow Connector 24">
+            <a:extLst>
+              <a:ext uri="{FF2B5EF4-FFF2-40B4-BE49-F238E27FC236}">
+                <a16:creationId xmlns:a16="http://schemas.microsoft.com/office/drawing/2014/main" id="{E71765D2-8C89-45B0-B111-62DB755D8838}"/>
+              </a:ext>
+            </a:extLst>
+          </p:cNvPr>
+          <p:cNvCxnSpPr>
+            <a:cxnSpLocks/>
+          </p:cNvCxnSpPr>
+          <p:nvPr/>
+        </p:nvCxnSpPr>
+        <p:spPr>
+          <a:xfrm>
+            <a:off x="2828925" y="5209858"/>
+            <a:ext cx="822960" cy="0"/>
+          </a:xfrm>
+          <a:prstGeom prst="straightConnector1">
+            <a:avLst/>
+          </a:prstGeom>
+          <a:ln>
+            <a:solidFill>
+              <a:srgbClr val="FF0000"/>
+            </a:solidFill>
+            <a:tailEnd type="triangle"/>
+          </a:ln>
+        </p:spPr>
+        <p:style>
+          <a:lnRef idx="3">
+            <a:schemeClr val="accent2"/>
+          </a:lnRef>
+          <a:fillRef idx="0">
+            <a:schemeClr val="accent2"/>
+          </a:fillRef>
+          <a:effectRef idx="2">
+            <a:schemeClr val="accent2"/>
+          </a:effectRef>
+          <a:fontRef idx="minor">
+            <a:schemeClr val="tx1"/>
+          </a:fontRef>
+        </p:style>
+      </p:cxnSp>
+      <p:cxnSp>
+        <p:nvCxnSpPr>
+          <p:cNvPr id="26" name="Straight Arrow Connector 25">
+            <a:extLst>
+              <a:ext uri="{FF2B5EF4-FFF2-40B4-BE49-F238E27FC236}">
+                <a16:creationId xmlns:a16="http://schemas.microsoft.com/office/drawing/2014/main" id="{67495913-76AE-419C-9728-DB755C54EDA4}"/>
+              </a:ext>
+            </a:extLst>
+          </p:cNvPr>
+          <p:cNvCxnSpPr>
+            <a:cxnSpLocks/>
+          </p:cNvCxnSpPr>
+          <p:nvPr/>
+        </p:nvCxnSpPr>
+        <p:spPr>
+          <a:xfrm flipH="1">
+            <a:off x="6835140" y="5209858"/>
+            <a:ext cx="822960" cy="0"/>
+          </a:xfrm>
+          <a:prstGeom prst="straightConnector1">
+            <a:avLst/>
+          </a:prstGeom>
+          <a:ln>
+            <a:solidFill>
+              <a:srgbClr val="FF0000"/>
+            </a:solidFill>
+            <a:tailEnd type="triangle"/>
+          </a:ln>
+        </p:spPr>
+        <p:style>
+          <a:lnRef idx="3">
+            <a:schemeClr val="accent2"/>
+          </a:lnRef>
+          <a:fillRef idx="0">
+            <a:schemeClr val="accent2"/>
+          </a:fillRef>
+          <a:effectRef idx="2">
+            <a:schemeClr val="accent2"/>
+          </a:effectRef>
+          <a:fontRef idx="minor">
+            <a:schemeClr val="tx1"/>
+          </a:fontRef>
+        </p:style>
+      </p:cxnSp>
+      <p:sp>
+        <p:nvSpPr>
+          <p:cNvPr id="27" name="TextBox 26">
+            <a:extLst>
+              <a:ext uri="{FF2B5EF4-FFF2-40B4-BE49-F238E27FC236}">
+                <a16:creationId xmlns:a16="http://schemas.microsoft.com/office/drawing/2014/main" id="{10C9A5A1-1DC8-4AB2-BC66-B1F5C13C45E5}"/>
+              </a:ext>
+            </a:extLst>
+          </p:cNvPr>
+          <p:cNvSpPr txBox="1"/>
+          <p:nvPr/>
+        </p:nvSpPr>
+        <p:spPr>
+          <a:xfrm>
+            <a:off x="2674075" y="5867731"/>
+            <a:ext cx="309700" cy="369332"/>
+          </a:xfrm>
+          <a:prstGeom prst="rect">
+            <a:avLst/>
+          </a:prstGeom>
+          <a:noFill/>
+        </p:spPr>
+        <p:txBody>
+          <a:bodyPr wrap="none" rtlCol="0">
+            <a:spAutoFit/>
+          </a:bodyPr>
+          <a:lstStyle/>
+          <a:p>
+            <a:pPr marL="0" marR="0" lvl="0" indent="0" algn="ctr" defTabSz="914400" eaLnBrk="1" fontAlgn="auto" latinLnBrk="0" hangingPunct="1">
+              <a:lnSpc>
+                <a:spcPct val="100000"/>
+              </a:lnSpc>
+              <a:spcBef>
+                <a:spcPts val="0"/>
+              </a:spcBef>
+              <a:spcAft>
+                <a:spcPts val="0"/>
+              </a:spcAft>
+              <a:buClrTx/>
+              <a:buSzTx/>
+              <a:buFontTx/>
+              <a:buNone/>
+              <a:tabLst/>
+              <a:defRPr/>
+            </a:pPr>
+            <a:r>
+              <a:rPr lang="en-US" kern="0" dirty="0">
+                <a:solidFill>
+                  <a:prstClr val="black"/>
+                </a:solidFill>
+              </a:rPr>
+              <a:t>B</a:t>
+            </a:r>
+            <a:endParaRPr kumimoji="0" lang="en-US" sz="1800" b="0" i="0" u="none" strike="noStrike" kern="0" cap="none" spc="0" normalizeH="0" baseline="0" noProof="0" dirty="0">
+              <a:ln>
+                <a:noFill/>
+              </a:ln>
+              <a:solidFill>
+                <a:prstClr val="black"/>
+              </a:solidFill>
+              <a:effectLst/>
+              <a:uLnTx/>
+              <a:uFillTx/>
+            </a:endParaRPr>
+          </a:p>
+        </p:txBody>
+      </p:sp>
+      <p:sp>
+        <p:nvSpPr>
+          <p:cNvPr id="28" name="TextBox 27">
+            <a:extLst>
+              <a:ext uri="{FF2B5EF4-FFF2-40B4-BE49-F238E27FC236}">
+                <a16:creationId xmlns:a16="http://schemas.microsoft.com/office/drawing/2014/main" id="{C393C66B-3B87-4196-8B4F-B7B381B911C4}"/>
+              </a:ext>
+            </a:extLst>
+          </p:cNvPr>
+          <p:cNvSpPr txBox="1"/>
+          <p:nvPr/>
+        </p:nvSpPr>
+        <p:spPr>
+          <a:xfrm>
+            <a:off x="1069044" y="5867731"/>
+            <a:ext cx="317716" cy="369332"/>
+          </a:xfrm>
+          <a:prstGeom prst="rect">
+            <a:avLst/>
+          </a:prstGeom>
+          <a:noFill/>
+        </p:spPr>
+        <p:txBody>
+          <a:bodyPr wrap="none" rtlCol="0">
+            <a:spAutoFit/>
+          </a:bodyPr>
+          <a:lstStyle/>
+          <a:p>
+            <a:pPr marL="0" marR="0" lvl="0" indent="0" algn="ctr" defTabSz="914400" eaLnBrk="1" fontAlgn="auto" latinLnBrk="0" hangingPunct="1">
+              <a:lnSpc>
+                <a:spcPct val="100000"/>
+              </a:lnSpc>
+              <a:spcBef>
+                <a:spcPts val="0"/>
+              </a:spcBef>
+              <a:spcAft>
+                <a:spcPts val="0"/>
+              </a:spcAft>
+              <a:buClrTx/>
+              <a:buSzTx/>
+              <a:buFontTx/>
+              <a:buNone/>
+              <a:tabLst/>
+              <a:defRPr/>
+            </a:pPr>
+            <a:r>
+              <a:rPr kumimoji="0" lang="en-US" sz="1800" b="0" i="0" u="none" strike="noStrike" kern="0" cap="none" spc="0" normalizeH="0" baseline="0" noProof="0" dirty="0">
+                <a:ln>
+                  <a:noFill/>
+                </a:ln>
+                <a:solidFill>
+                  <a:prstClr val="black"/>
+                </a:solidFill>
+                <a:effectLst/>
+                <a:uLnTx/>
+                <a:uFillTx/>
+              </a:rPr>
+              <a:t>A</a:t>
+            </a:r>
+          </a:p>
+        </p:txBody>
+      </p:sp>
+      <p:sp>
+        <p:nvSpPr>
+          <p:cNvPr id="29" name="TextBox 28">
+            <a:extLst>
+              <a:ext uri="{FF2B5EF4-FFF2-40B4-BE49-F238E27FC236}">
+                <a16:creationId xmlns:a16="http://schemas.microsoft.com/office/drawing/2014/main" id="{D10D8929-9C29-4239-82AF-60E77766ABDE}"/>
+              </a:ext>
+            </a:extLst>
+          </p:cNvPr>
+          <p:cNvSpPr txBox="1"/>
+          <p:nvPr/>
+        </p:nvSpPr>
+        <p:spPr>
+          <a:xfrm>
+            <a:off x="7494433" y="5867731"/>
+            <a:ext cx="327334" cy="369332"/>
+          </a:xfrm>
+          <a:prstGeom prst="rect">
+            <a:avLst/>
+          </a:prstGeom>
+          <a:noFill/>
+        </p:spPr>
+        <p:txBody>
+          <a:bodyPr wrap="none" rtlCol="0">
+            <a:spAutoFit/>
+          </a:bodyPr>
+          <a:lstStyle/>
+          <a:p>
+            <a:pPr marL="0" marR="0" lvl="0" indent="0" algn="ctr" defTabSz="914400" eaLnBrk="1" fontAlgn="auto" latinLnBrk="0" hangingPunct="1">
+              <a:lnSpc>
+                <a:spcPct val="100000"/>
+              </a:lnSpc>
+              <a:spcBef>
+                <a:spcPts val="0"/>
+              </a:spcBef>
+              <a:spcAft>
+                <a:spcPts val="0"/>
+              </a:spcAft>
+              <a:buClrTx/>
+              <a:buSzTx/>
+              <a:buFontTx/>
+              <a:buNone/>
+              <a:tabLst/>
+              <a:defRPr/>
+            </a:pPr>
+            <a:r>
+              <a:rPr kumimoji="0" lang="en-US" sz="1800" b="0" i="0" u="none" strike="noStrike" kern="0" cap="none" spc="0" normalizeH="0" baseline="0" noProof="0" dirty="0">
+                <a:ln>
+                  <a:noFill/>
+                </a:ln>
+                <a:solidFill>
+                  <a:prstClr val="black"/>
+                </a:solidFill>
+                <a:effectLst/>
+                <a:uLnTx/>
+                <a:uFillTx/>
+              </a:rPr>
+              <a:t>D</a:t>
+            </a:r>
+          </a:p>
+        </p:txBody>
+      </p:sp>
+      <p:sp>
+        <p:nvSpPr>
+          <p:cNvPr id="30" name="TextBox 29">
+            <a:extLst>
+              <a:ext uri="{FF2B5EF4-FFF2-40B4-BE49-F238E27FC236}">
+                <a16:creationId xmlns:a16="http://schemas.microsoft.com/office/drawing/2014/main" id="{BD09371F-F785-4830-98CE-370183314FC4}"/>
+              </a:ext>
+            </a:extLst>
+          </p:cNvPr>
+          <p:cNvSpPr txBox="1"/>
+          <p:nvPr/>
+        </p:nvSpPr>
+        <p:spPr>
+          <a:xfrm>
+            <a:off x="860429" y="4321731"/>
+            <a:ext cx="734945" cy="369332"/>
+          </a:xfrm>
+          <a:prstGeom prst="rect">
+            <a:avLst/>
+          </a:prstGeom>
+          <a:noFill/>
+        </p:spPr>
+        <p:txBody>
+          <a:bodyPr wrap="none" rtlCol="0">
+            <a:spAutoFit/>
+          </a:bodyPr>
+          <a:lstStyle/>
+          <a:p>
+            <a:r>
+              <a:rPr lang="en-US" b="1" dirty="0">
+                <a:solidFill>
+                  <a:srgbClr val="FF0000"/>
+                </a:solidFill>
+              </a:rPr>
+              <a:t>60 lbs</a:t>
+            </a:r>
+          </a:p>
+        </p:txBody>
+      </p:sp>
+      <p:sp>
+        <p:nvSpPr>
+          <p:cNvPr id="31" name="TextBox 30">
+            <a:extLst>
+              <a:ext uri="{FF2B5EF4-FFF2-40B4-BE49-F238E27FC236}">
+                <a16:creationId xmlns:a16="http://schemas.microsoft.com/office/drawing/2014/main" id="{5854F110-E284-4836-A339-7D09ADBF56E5}"/>
+              </a:ext>
+            </a:extLst>
+          </p:cNvPr>
+          <p:cNvSpPr txBox="1"/>
+          <p:nvPr/>
+        </p:nvSpPr>
+        <p:spPr>
+          <a:xfrm>
+            <a:off x="4071177" y="4321731"/>
+            <a:ext cx="734945" cy="369332"/>
+          </a:xfrm>
+          <a:prstGeom prst="rect">
+            <a:avLst/>
+          </a:prstGeom>
+          <a:noFill/>
+        </p:spPr>
+        <p:txBody>
+          <a:bodyPr wrap="none" rtlCol="0">
+            <a:spAutoFit/>
+          </a:bodyPr>
+          <a:lstStyle/>
+          <a:p>
+            <a:r>
+              <a:rPr lang="en-US" b="1" dirty="0">
+                <a:solidFill>
+                  <a:srgbClr val="FF0000"/>
+                </a:solidFill>
+              </a:rPr>
+              <a:t>60 lbs</a:t>
+            </a:r>
+          </a:p>
+        </p:txBody>
+      </p:sp>
+      <p:sp>
+        <p:nvSpPr>
+          <p:cNvPr id="32" name="TextBox 31">
+            <a:extLst>
+              <a:ext uri="{FF2B5EF4-FFF2-40B4-BE49-F238E27FC236}">
+                <a16:creationId xmlns:a16="http://schemas.microsoft.com/office/drawing/2014/main" id="{6D45E75B-62BA-404D-AF22-7FBE08117590}"/>
+              </a:ext>
+            </a:extLst>
+          </p:cNvPr>
+          <p:cNvSpPr txBox="1"/>
+          <p:nvPr/>
+        </p:nvSpPr>
+        <p:spPr>
+          <a:xfrm>
+            <a:off x="2485926" y="4321731"/>
+            <a:ext cx="741357" cy="369332"/>
+          </a:xfrm>
+          <a:prstGeom prst="rect">
+            <a:avLst/>
+          </a:prstGeom>
+          <a:noFill/>
+        </p:spPr>
+        <p:txBody>
+          <a:bodyPr wrap="none" rtlCol="0">
+            <a:spAutoFit/>
+          </a:bodyPr>
+          <a:lstStyle/>
+          <a:p>
+            <a:r>
+              <a:rPr lang="en-US" b="1" dirty="0">
+                <a:solidFill>
+                  <a:srgbClr val="FF0000"/>
+                </a:solidFill>
+              </a:rPr>
+              <a:t>90 lbs</a:t>
+            </a:r>
+          </a:p>
+        </p:txBody>
+      </p:sp>
+      <p:sp>
+        <p:nvSpPr>
+          <p:cNvPr id="33" name="TextBox 32">
+            <a:extLst>
+              <a:ext uri="{FF2B5EF4-FFF2-40B4-BE49-F238E27FC236}">
+                <a16:creationId xmlns:a16="http://schemas.microsoft.com/office/drawing/2014/main" id="{AA8B5896-2587-4FC4-8238-58EA12CBC1EB}"/>
+              </a:ext>
+            </a:extLst>
+          </p:cNvPr>
+          <p:cNvSpPr txBox="1"/>
+          <p:nvPr/>
+        </p:nvSpPr>
+        <p:spPr>
+          <a:xfrm>
+            <a:off x="7281925" y="4321731"/>
+            <a:ext cx="741357" cy="369332"/>
+          </a:xfrm>
+          <a:prstGeom prst="rect">
+            <a:avLst/>
+          </a:prstGeom>
+          <a:noFill/>
+        </p:spPr>
+        <p:txBody>
+          <a:bodyPr wrap="none" rtlCol="0">
+            <a:spAutoFit/>
+          </a:bodyPr>
+          <a:lstStyle/>
+          <a:p>
+            <a:r>
+              <a:rPr lang="en-US" b="1" dirty="0">
+                <a:solidFill>
+                  <a:srgbClr val="FF0000"/>
+                </a:solidFill>
+              </a:rPr>
+              <a:t>90 lbs</a:t>
+            </a:r>
+          </a:p>
+        </p:txBody>
+      </p:sp>
+    </p:spTree>
+    <p:extLst>
+      <p:ext uri="{BB962C8B-B14F-4D97-AF65-F5344CB8AC3E}">
+        <p14:creationId xmlns:p14="http://schemas.microsoft.com/office/powerpoint/2010/main" val="317727242"/>
+      </p:ext>
+    </p:extLst>
+  </p:cSld>
+  <p:clrMapOvr>
+    <a:masterClrMapping/>
+  </p:clrMapOvr>
+</p:sld>
+</file>
+
+<file path=ppt/slides/slide15.xml><?xml version="1.0" encoding="utf-8"?>
+<p:sld xmlns:a="http://schemas.openxmlformats.org/drawingml/2006/main" xmlns:r="http://schemas.openxmlformats.org/officeDocument/2006/relationships" xmlns:p="http://schemas.openxmlformats.org/presentationml/2006/main">
+  <p:cSld>
+    <p:spTree>
+      <p:nvGrpSpPr>
+        <p:cNvPr id="1" name=""/>
+        <p:cNvGrpSpPr/>
+        <p:nvPr/>
+      </p:nvGrpSpPr>
+      <p:grpSpPr>
+        <a:xfrm>
+          <a:off x="0" y="0"/>
+          <a:ext cx="0" cy="0"/>
+          <a:chOff x="0" y="0"/>
+          <a:chExt cx="0" cy="0"/>
+        </a:xfrm>
+      </p:grpSpPr>
+      <p:sp>
+        <p:nvSpPr>
+          <p:cNvPr id="2" name="Title 1">
+            <a:extLst>
+              <a:ext uri="{FF2B5EF4-FFF2-40B4-BE49-F238E27FC236}">
                 <a16:creationId xmlns:a16="http://schemas.microsoft.com/office/drawing/2014/main" id="{E1942455-4446-4AC8-90D6-3A5C9DF5126B}"/>
               </a:ext>
             </a:extLst>
@@ -7196,7 +8341,7 @@
           <a:p>
             <a:r>
               <a:rPr lang="en-US" dirty="0"/>
-              <a:t>Elastic Torsion Worked Example</a:t>
+              <a:t>Torsion Diagram Worked Example</a:t>
             </a:r>
           </a:p>
         </p:txBody>
@@ -7225,13 +8370,13 @@
         </p:spPr>
         <p:txBody>
           <a:bodyPr>
-            <a:normAutofit fontScale="85000" lnSpcReduction="20000"/>
+            <a:normAutofit/>
           </a:bodyPr>
           <a:lstStyle/>
           <a:p>
             <a:r>
               <a:rPr lang="en-US" dirty="0"/>
-              <a:t>A 3cm diameter solid steel (G = 76 GPa) shaft is subjected to the torques shown below. Draw the torque diagram as well as the angular displacement diagram. Determine the maximum shearing stress as well as the angular displacement at each pulley.</a:t>
+              <a:t>A steel shaft is subjected to the torques shown below. Draw the torque diagram for this shaft.</a:t>
             </a:r>
           </a:p>
         </p:txBody>

--- a/Lecture Slides/VideoLectureSlides/6.3.pptx
+++ b/Lecture Slides/VideoLectureSlides/6.3.pptx
@@ -5,7 +5,7 @@
     <p:sldMasterId id="2147483660" r:id="rId4"/>
   </p:sldMasterIdLst>
   <p:notesMasterIdLst>
-    <p:notesMasterId r:id="rId20"/>
+    <p:notesMasterId r:id="rId22"/>
   </p:notesMasterIdLst>
   <p:sldIdLst>
     <p:sldId id="256" r:id="rId5"/>
@@ -22,7 +22,9 @@
     <p:sldId id="297" r:id="rId16"/>
     <p:sldId id="287" r:id="rId17"/>
     <p:sldId id="299" r:id="rId18"/>
-    <p:sldId id="278" r:id="rId19"/>
+    <p:sldId id="300" r:id="rId19"/>
+    <p:sldId id="278" r:id="rId20"/>
+    <p:sldId id="301" r:id="rId21"/>
   </p:sldIdLst>
   <p:sldSz cx="9144000" cy="6858000" type="screen4x3"/>
   <p:notesSz cx="6858000" cy="9144000"/>
@@ -236,7 +238,7 @@
           <a:p>
             <a:fld id="{1AA1AB63-216F-4D5B-8811-CCB935E98D4A}" type="datetimeFigureOut">
               <a:rPr lang="en-US" smtClean="0"/>
-              <a:t>9/20/2021</a:t>
+              <a:t>10/13/2021</a:t>
             </a:fld>
             <a:endParaRPr lang="en-US"/>
           </a:p>
@@ -8323,6 +8325,1176 @@
           <p:cNvPr id="2" name="Title 1">
             <a:extLst>
               <a:ext uri="{FF2B5EF4-FFF2-40B4-BE49-F238E27FC236}">
+                <a16:creationId xmlns:a16="http://schemas.microsoft.com/office/drawing/2014/main" id="{A074F4A8-3D2C-4076-96F4-3BB4D261AE99}"/>
+              </a:ext>
+            </a:extLst>
+          </p:cNvPr>
+          <p:cNvSpPr>
+            <a:spLocks noGrp="1"/>
+          </p:cNvSpPr>
+          <p:nvPr>
+            <p:ph type="title"/>
+          </p:nvPr>
+        </p:nvSpPr>
+        <p:spPr/>
+        <p:txBody>
+          <a:bodyPr>
+            <a:normAutofit fontScale="90000"/>
+          </a:bodyPr>
+          <a:lstStyle/>
+          <a:p>
+            <a:r>
+              <a:rPr lang="en-US" dirty="0"/>
+              <a:t>Axial Force Diagram Worked Example</a:t>
+            </a:r>
+          </a:p>
+        </p:txBody>
+      </p:sp>
+      <p:sp>
+        <p:nvSpPr>
+          <p:cNvPr id="3" name="Content Placeholder 2">
+            <a:extLst>
+              <a:ext uri="{FF2B5EF4-FFF2-40B4-BE49-F238E27FC236}">
+                <a16:creationId xmlns:a16="http://schemas.microsoft.com/office/drawing/2014/main" id="{75A23FE9-4C46-4116-AE50-F38038DCE4BC}"/>
+              </a:ext>
+            </a:extLst>
+          </p:cNvPr>
+          <p:cNvSpPr>
+            <a:spLocks noGrp="1"/>
+          </p:cNvSpPr>
+          <p:nvPr>
+            <p:ph idx="1"/>
+          </p:nvPr>
+        </p:nvSpPr>
+        <p:spPr>
+          <a:xfrm>
+            <a:off x="457200" y="1600200"/>
+            <a:ext cx="4525988" cy="4525963"/>
+          </a:xfrm>
+        </p:spPr>
+        <p:txBody>
+          <a:bodyPr/>
+          <a:lstStyle/>
+          <a:p>
+            <a:r>
+              <a:rPr lang="en-US" dirty="0"/>
+              <a:t>A cable is anchored to the ceiling and subjected to the forces shown below (assume are forces applied at base of the vector). Draw the axial force diagram for the cable.</a:t>
+            </a:r>
+          </a:p>
+        </p:txBody>
+      </p:sp>
+      <p:sp>
+        <p:nvSpPr>
+          <p:cNvPr id="4" name="Slide Number Placeholder 3">
+            <a:extLst>
+              <a:ext uri="{FF2B5EF4-FFF2-40B4-BE49-F238E27FC236}">
+                <a16:creationId xmlns:a16="http://schemas.microsoft.com/office/drawing/2014/main" id="{46824EB1-D940-4E24-A812-466DAA701E63}"/>
+              </a:ext>
+            </a:extLst>
+          </p:cNvPr>
+          <p:cNvSpPr>
+            <a:spLocks noGrp="1"/>
+          </p:cNvSpPr>
+          <p:nvPr>
+            <p:ph type="sldNum" sz="quarter" idx="12"/>
+          </p:nvPr>
+        </p:nvSpPr>
+        <p:spPr/>
+        <p:txBody>
+          <a:bodyPr/>
+          <a:lstStyle/>
+          <a:p>
+            <a:fld id="{929262FE-7F58-4A1E-8AF3-5A510A86DEBD}" type="slidenum">
+              <a:rPr lang="en-US" smtClean="0"/>
+              <a:t>15</a:t>
+            </a:fld>
+            <a:endParaRPr lang="en-US"/>
+          </a:p>
+        </p:txBody>
+      </p:sp>
+      <p:grpSp>
+        <p:nvGrpSpPr>
+          <p:cNvPr id="26" name="Group 25">
+            <a:extLst>
+              <a:ext uri="{FF2B5EF4-FFF2-40B4-BE49-F238E27FC236}">
+                <a16:creationId xmlns:a16="http://schemas.microsoft.com/office/drawing/2014/main" id="{0D34420A-0DFB-48B3-9603-D9E8DAD51303}"/>
+              </a:ext>
+            </a:extLst>
+          </p:cNvPr>
+          <p:cNvGrpSpPr/>
+          <p:nvPr/>
+        </p:nvGrpSpPr>
+        <p:grpSpPr>
+          <a:xfrm>
+            <a:off x="5105400" y="1297980"/>
+            <a:ext cx="3114656" cy="4569420"/>
+            <a:chOff x="5824547" y="1583730"/>
+            <a:chExt cx="3114656" cy="4569420"/>
+          </a:xfrm>
+        </p:grpSpPr>
+        <p:sp>
+          <p:nvSpPr>
+            <p:cNvPr id="8" name="Rectangle 7">
+              <a:extLst>
+                <a:ext uri="{FF2B5EF4-FFF2-40B4-BE49-F238E27FC236}">
+                  <a16:creationId xmlns:a16="http://schemas.microsoft.com/office/drawing/2014/main" id="{28A27E5A-FEDB-4361-BF9A-9BA5444E2290}"/>
+                </a:ext>
+              </a:extLst>
+            </p:cNvPr>
+            <p:cNvSpPr/>
+            <p:nvPr/>
+          </p:nvSpPr>
+          <p:spPr>
+            <a:xfrm>
+              <a:off x="6210304" y="2027238"/>
+              <a:ext cx="2362192" cy="609600"/>
+            </a:xfrm>
+            <a:prstGeom prst="rect">
+              <a:avLst/>
+            </a:prstGeom>
+            <a:solidFill>
+              <a:schemeClr val="bg2">
+                <a:lumMod val="75000"/>
+              </a:schemeClr>
+            </a:solidFill>
+            <a:ln>
+              <a:solidFill>
+                <a:schemeClr val="bg2">
+                  <a:lumMod val="50000"/>
+                </a:schemeClr>
+              </a:solidFill>
+            </a:ln>
+          </p:spPr>
+          <p:style>
+            <a:lnRef idx="2">
+              <a:schemeClr val="accent1">
+                <a:shade val="50000"/>
+              </a:schemeClr>
+            </a:lnRef>
+            <a:fillRef idx="1">
+              <a:schemeClr val="accent1"/>
+            </a:fillRef>
+            <a:effectRef idx="0">
+              <a:schemeClr val="accent1"/>
+            </a:effectRef>
+            <a:fontRef idx="minor">
+              <a:schemeClr val="lt1"/>
+            </a:fontRef>
+          </p:style>
+          <p:txBody>
+            <a:bodyPr rtlCol="0" anchor="ctr"/>
+            <a:lstStyle/>
+            <a:p>
+              <a:pPr algn="ctr"/>
+              <a:endParaRPr lang="en-US"/>
+            </a:p>
+          </p:txBody>
+        </p:sp>
+        <p:sp>
+          <p:nvSpPr>
+            <p:cNvPr id="25" name="Frame 24">
+              <a:extLst>
+                <a:ext uri="{FF2B5EF4-FFF2-40B4-BE49-F238E27FC236}">
+                  <a16:creationId xmlns:a16="http://schemas.microsoft.com/office/drawing/2014/main" id="{45FBA34C-AAC7-465A-9687-E64926E92976}"/>
+                </a:ext>
+              </a:extLst>
+            </p:cNvPr>
+            <p:cNvSpPr/>
+            <p:nvPr/>
+          </p:nvSpPr>
+          <p:spPr>
+            <a:xfrm>
+              <a:off x="5824547" y="1583730"/>
+              <a:ext cx="3114656" cy="3064470"/>
+            </a:xfrm>
+            <a:prstGeom prst="frame">
+              <a:avLst>
+                <a:gd name="adj1" fmla="val 24597"/>
+              </a:avLst>
+            </a:prstGeom>
+            <a:solidFill>
+              <a:schemeClr val="bg1"/>
+            </a:solidFill>
+            <a:ln>
+              <a:noFill/>
+            </a:ln>
+            <a:effectLst>
+              <a:softEdge rad="127000"/>
+            </a:effectLst>
+          </p:spPr>
+          <p:style>
+            <a:lnRef idx="2">
+              <a:schemeClr val="accent1">
+                <a:shade val="50000"/>
+              </a:schemeClr>
+            </a:lnRef>
+            <a:fillRef idx="1">
+              <a:schemeClr val="accent1"/>
+            </a:fillRef>
+            <a:effectRef idx="0">
+              <a:schemeClr val="accent1"/>
+            </a:effectRef>
+            <a:fontRef idx="minor">
+              <a:schemeClr val="lt1"/>
+            </a:fontRef>
+          </p:style>
+          <p:txBody>
+            <a:bodyPr rtlCol="0" anchor="ctr"/>
+            <a:lstStyle/>
+            <a:p>
+              <a:pPr algn="ctr"/>
+              <a:endParaRPr lang="en-US">
+                <a:solidFill>
+                  <a:schemeClr val="tx1"/>
+                </a:solidFill>
+              </a:endParaRPr>
+            </a:p>
+          </p:txBody>
+        </p:sp>
+        <p:cxnSp>
+          <p:nvCxnSpPr>
+            <p:cNvPr id="6" name="Straight Connector 5">
+              <a:extLst>
+                <a:ext uri="{FF2B5EF4-FFF2-40B4-BE49-F238E27FC236}">
+                  <a16:creationId xmlns:a16="http://schemas.microsoft.com/office/drawing/2014/main" id="{D6F597AD-8405-490D-81E8-719D3A3752FE}"/>
+                </a:ext>
+              </a:extLst>
+            </p:cNvPr>
+            <p:cNvCxnSpPr>
+              <a:cxnSpLocks/>
+            </p:cNvCxnSpPr>
+            <p:nvPr/>
+          </p:nvCxnSpPr>
+          <p:spPr>
+            <a:xfrm>
+              <a:off x="7391400" y="2636838"/>
+              <a:ext cx="0" cy="2849562"/>
+            </a:xfrm>
+            <a:prstGeom prst="line">
+              <a:avLst/>
+            </a:prstGeom>
+          </p:spPr>
+          <p:style>
+            <a:lnRef idx="2">
+              <a:schemeClr val="dk1"/>
+            </a:lnRef>
+            <a:fillRef idx="0">
+              <a:schemeClr val="dk1"/>
+            </a:fillRef>
+            <a:effectRef idx="1">
+              <a:schemeClr val="dk1"/>
+            </a:effectRef>
+            <a:fontRef idx="minor">
+              <a:schemeClr val="tx1"/>
+            </a:fontRef>
+          </p:style>
+        </p:cxnSp>
+        <p:cxnSp>
+          <p:nvCxnSpPr>
+            <p:cNvPr id="10" name="Straight Arrow Connector 9">
+              <a:extLst>
+                <a:ext uri="{FF2B5EF4-FFF2-40B4-BE49-F238E27FC236}">
+                  <a16:creationId xmlns:a16="http://schemas.microsoft.com/office/drawing/2014/main" id="{2BF65D8C-2D64-4567-9F74-58DD66355AE3}"/>
+                </a:ext>
+              </a:extLst>
+            </p:cNvPr>
+            <p:cNvCxnSpPr>
+              <a:cxnSpLocks/>
+            </p:cNvCxnSpPr>
+            <p:nvPr/>
+          </p:nvCxnSpPr>
+          <p:spPr>
+            <a:xfrm>
+              <a:off x="7400925" y="5467350"/>
+              <a:ext cx="0" cy="685800"/>
+            </a:xfrm>
+            <a:prstGeom prst="straightConnector1">
+              <a:avLst/>
+            </a:prstGeom>
+            <a:ln w="57150">
+              <a:solidFill>
+                <a:srgbClr val="FF0000"/>
+              </a:solidFill>
+              <a:tailEnd type="triangle"/>
+            </a:ln>
+          </p:spPr>
+          <p:style>
+            <a:lnRef idx="3">
+              <a:schemeClr val="accent2"/>
+            </a:lnRef>
+            <a:fillRef idx="0">
+              <a:schemeClr val="accent2"/>
+            </a:fillRef>
+            <a:effectRef idx="2">
+              <a:schemeClr val="accent2"/>
+            </a:effectRef>
+            <a:fontRef idx="minor">
+              <a:schemeClr val="tx1"/>
+            </a:fontRef>
+          </p:style>
+        </p:cxnSp>
+        <p:sp>
+          <p:nvSpPr>
+            <p:cNvPr id="11" name="TextBox 10">
+              <a:extLst>
+                <a:ext uri="{FF2B5EF4-FFF2-40B4-BE49-F238E27FC236}">
+                  <a16:creationId xmlns:a16="http://schemas.microsoft.com/office/drawing/2014/main" id="{E35016B9-ACD7-45BB-B891-C263B9E800D7}"/>
+                </a:ext>
+              </a:extLst>
+            </p:cNvPr>
+            <p:cNvSpPr txBox="1"/>
+            <p:nvPr/>
+          </p:nvSpPr>
+          <p:spPr>
+            <a:xfrm>
+              <a:off x="6640518" y="5552043"/>
+              <a:ext cx="741357" cy="369332"/>
+            </a:xfrm>
+            <a:prstGeom prst="rect">
+              <a:avLst/>
+            </a:prstGeom>
+            <a:noFill/>
+          </p:spPr>
+          <p:txBody>
+            <a:bodyPr wrap="square" rtlCol="0">
+              <a:spAutoFit/>
+            </a:bodyPr>
+            <a:lstStyle/>
+            <a:p>
+              <a:r>
+                <a:rPr lang="en-US" b="1" dirty="0">
+                  <a:solidFill>
+                    <a:srgbClr val="FF0000"/>
+                  </a:solidFill>
+                </a:rPr>
+                <a:t>3 kN</a:t>
+              </a:r>
+            </a:p>
+          </p:txBody>
+        </p:sp>
+        <p:cxnSp>
+          <p:nvCxnSpPr>
+            <p:cNvPr id="15" name="Straight Arrow Connector 14">
+              <a:extLst>
+                <a:ext uri="{FF2B5EF4-FFF2-40B4-BE49-F238E27FC236}">
+                  <a16:creationId xmlns:a16="http://schemas.microsoft.com/office/drawing/2014/main" id="{3FEC5724-AE51-41C4-964B-FFFC04D1CCF9}"/>
+                </a:ext>
+              </a:extLst>
+            </p:cNvPr>
+            <p:cNvCxnSpPr>
+              <a:cxnSpLocks/>
+            </p:cNvCxnSpPr>
+            <p:nvPr/>
+          </p:nvCxnSpPr>
+          <p:spPr>
+            <a:xfrm>
+              <a:off x="7400925" y="4572000"/>
+              <a:ext cx="0" cy="457200"/>
+            </a:xfrm>
+            <a:prstGeom prst="straightConnector1">
+              <a:avLst/>
+            </a:prstGeom>
+            <a:ln w="57150">
+              <a:solidFill>
+                <a:srgbClr val="FF0000"/>
+              </a:solidFill>
+              <a:tailEnd type="triangle"/>
+            </a:ln>
+          </p:spPr>
+          <p:style>
+            <a:lnRef idx="3">
+              <a:schemeClr val="accent2"/>
+            </a:lnRef>
+            <a:fillRef idx="0">
+              <a:schemeClr val="accent2"/>
+            </a:fillRef>
+            <a:effectRef idx="2">
+              <a:schemeClr val="accent2"/>
+            </a:effectRef>
+            <a:fontRef idx="minor">
+              <a:schemeClr val="tx1"/>
+            </a:fontRef>
+          </p:style>
+        </p:cxnSp>
+        <p:cxnSp>
+          <p:nvCxnSpPr>
+            <p:cNvPr id="16" name="Straight Arrow Connector 15">
+              <a:extLst>
+                <a:ext uri="{FF2B5EF4-FFF2-40B4-BE49-F238E27FC236}">
+                  <a16:creationId xmlns:a16="http://schemas.microsoft.com/office/drawing/2014/main" id="{F7F62D63-D489-4E2B-9902-E6E9D82A919E}"/>
+                </a:ext>
+              </a:extLst>
+            </p:cNvPr>
+            <p:cNvCxnSpPr>
+              <a:cxnSpLocks/>
+            </p:cNvCxnSpPr>
+            <p:nvPr/>
+          </p:nvCxnSpPr>
+          <p:spPr>
+            <a:xfrm flipV="1">
+              <a:off x="7372350" y="3266004"/>
+              <a:ext cx="609600" cy="457200"/>
+            </a:xfrm>
+            <a:prstGeom prst="straightConnector1">
+              <a:avLst/>
+            </a:prstGeom>
+            <a:ln w="57150">
+              <a:solidFill>
+                <a:srgbClr val="FF0000"/>
+              </a:solidFill>
+              <a:tailEnd type="triangle"/>
+            </a:ln>
+          </p:spPr>
+          <p:style>
+            <a:lnRef idx="3">
+              <a:schemeClr val="accent2"/>
+            </a:lnRef>
+            <a:fillRef idx="0">
+              <a:schemeClr val="accent2"/>
+            </a:fillRef>
+            <a:effectRef idx="2">
+              <a:schemeClr val="accent2"/>
+            </a:effectRef>
+            <a:fontRef idx="minor">
+              <a:schemeClr val="tx1"/>
+            </a:fontRef>
+          </p:style>
+        </p:cxnSp>
+        <p:sp>
+          <p:nvSpPr>
+            <p:cNvPr id="18" name="TextBox 17">
+              <a:extLst>
+                <a:ext uri="{FF2B5EF4-FFF2-40B4-BE49-F238E27FC236}">
+                  <a16:creationId xmlns:a16="http://schemas.microsoft.com/office/drawing/2014/main" id="{981A215B-CDC1-4DF7-BF5D-C6FF3065D920}"/>
+                </a:ext>
+              </a:extLst>
+            </p:cNvPr>
+            <p:cNvSpPr txBox="1"/>
+            <p:nvPr/>
+          </p:nvSpPr>
+          <p:spPr>
+            <a:xfrm>
+              <a:off x="6650043" y="4553545"/>
+              <a:ext cx="741357" cy="369332"/>
+            </a:xfrm>
+            <a:prstGeom prst="rect">
+              <a:avLst/>
+            </a:prstGeom>
+            <a:noFill/>
+          </p:spPr>
+          <p:txBody>
+            <a:bodyPr wrap="square" rtlCol="0">
+              <a:spAutoFit/>
+            </a:bodyPr>
+            <a:lstStyle/>
+            <a:p>
+              <a:r>
+                <a:rPr lang="en-US" b="1" dirty="0">
+                  <a:solidFill>
+                    <a:srgbClr val="FF0000"/>
+                  </a:solidFill>
+                </a:rPr>
+                <a:t>2 kN</a:t>
+              </a:r>
+            </a:p>
+          </p:txBody>
+        </p:sp>
+        <p:cxnSp>
+          <p:nvCxnSpPr>
+            <p:cNvPr id="19" name="Straight Arrow Connector 18">
+              <a:extLst>
+                <a:ext uri="{FF2B5EF4-FFF2-40B4-BE49-F238E27FC236}">
+                  <a16:creationId xmlns:a16="http://schemas.microsoft.com/office/drawing/2014/main" id="{4EBEEC07-552D-422A-BBE5-84D07165505F}"/>
+                </a:ext>
+              </a:extLst>
+            </p:cNvPr>
+            <p:cNvCxnSpPr>
+              <a:cxnSpLocks/>
+            </p:cNvCxnSpPr>
+            <p:nvPr/>
+          </p:nvCxnSpPr>
+          <p:spPr>
+            <a:xfrm flipH="1" flipV="1">
+              <a:off x="6762750" y="3238500"/>
+              <a:ext cx="609600" cy="457200"/>
+            </a:xfrm>
+            <a:prstGeom prst="straightConnector1">
+              <a:avLst/>
+            </a:prstGeom>
+            <a:ln w="57150">
+              <a:solidFill>
+                <a:srgbClr val="FF0000"/>
+              </a:solidFill>
+              <a:tailEnd type="triangle"/>
+            </a:ln>
+          </p:spPr>
+          <p:style>
+            <a:lnRef idx="3">
+              <a:schemeClr val="accent2"/>
+            </a:lnRef>
+            <a:fillRef idx="0">
+              <a:schemeClr val="accent2"/>
+            </a:fillRef>
+            <a:effectRef idx="2">
+              <a:schemeClr val="accent2"/>
+            </a:effectRef>
+            <a:fontRef idx="minor">
+              <a:schemeClr val="tx1"/>
+            </a:fontRef>
+          </p:style>
+        </p:cxnSp>
+        <p:sp>
+          <p:nvSpPr>
+            <p:cNvPr id="20" name="TextBox 19">
+              <a:extLst>
+                <a:ext uri="{FF2B5EF4-FFF2-40B4-BE49-F238E27FC236}">
+                  <a16:creationId xmlns:a16="http://schemas.microsoft.com/office/drawing/2014/main" id="{18DA2187-D455-49EE-AD73-EA5F07F22C0F}"/>
+                </a:ext>
+              </a:extLst>
+            </p:cNvPr>
+            <p:cNvSpPr txBox="1"/>
+            <p:nvPr/>
+          </p:nvSpPr>
+          <p:spPr>
+            <a:xfrm>
+              <a:off x="6116644" y="3061772"/>
+              <a:ext cx="741357" cy="369332"/>
+            </a:xfrm>
+            <a:prstGeom prst="rect">
+              <a:avLst/>
+            </a:prstGeom>
+            <a:noFill/>
+          </p:spPr>
+          <p:txBody>
+            <a:bodyPr wrap="square" rtlCol="0">
+              <a:spAutoFit/>
+            </a:bodyPr>
+            <a:lstStyle/>
+            <a:p>
+              <a:r>
+                <a:rPr lang="en-US" b="1" dirty="0">
+                  <a:solidFill>
+                    <a:srgbClr val="FF0000"/>
+                  </a:solidFill>
+                </a:rPr>
+                <a:t>4 kN</a:t>
+              </a:r>
+            </a:p>
+          </p:txBody>
+        </p:sp>
+        <p:sp>
+          <p:nvSpPr>
+            <p:cNvPr id="21" name="TextBox 20">
+              <a:extLst>
+                <a:ext uri="{FF2B5EF4-FFF2-40B4-BE49-F238E27FC236}">
+                  <a16:creationId xmlns:a16="http://schemas.microsoft.com/office/drawing/2014/main" id="{D4E9964A-3135-4ECA-B112-67449147AA1C}"/>
+                </a:ext>
+              </a:extLst>
+            </p:cNvPr>
+            <p:cNvSpPr txBox="1"/>
+            <p:nvPr/>
+          </p:nvSpPr>
+          <p:spPr>
+            <a:xfrm>
+              <a:off x="7945443" y="3053834"/>
+              <a:ext cx="741357" cy="369332"/>
+            </a:xfrm>
+            <a:prstGeom prst="rect">
+              <a:avLst/>
+            </a:prstGeom>
+            <a:noFill/>
+          </p:spPr>
+          <p:txBody>
+            <a:bodyPr wrap="square" rtlCol="0">
+              <a:spAutoFit/>
+            </a:bodyPr>
+            <a:lstStyle/>
+            <a:p>
+              <a:r>
+                <a:rPr lang="en-US" b="1" dirty="0">
+                  <a:solidFill>
+                    <a:srgbClr val="FF0000"/>
+                  </a:solidFill>
+                </a:rPr>
+                <a:t>4 kN</a:t>
+              </a:r>
+            </a:p>
+          </p:txBody>
+        </p:sp>
+        <p:sp>
+          <p:nvSpPr>
+            <p:cNvPr id="22" name="Arc 21">
+              <a:extLst>
+                <a:ext uri="{FF2B5EF4-FFF2-40B4-BE49-F238E27FC236}">
+                  <a16:creationId xmlns:a16="http://schemas.microsoft.com/office/drawing/2014/main" id="{5CBE3B43-C132-4719-8599-A7C4EEBD4F89}"/>
+                </a:ext>
+              </a:extLst>
+            </p:cNvPr>
+            <p:cNvSpPr/>
+            <p:nvPr/>
+          </p:nvSpPr>
+          <p:spPr>
+            <a:xfrm>
+              <a:off x="6934200" y="3183454"/>
+              <a:ext cx="914400" cy="914400"/>
+            </a:xfrm>
+            <a:prstGeom prst="arc">
+              <a:avLst>
+                <a:gd name="adj1" fmla="val 12690256"/>
+                <a:gd name="adj2" fmla="val 19798898"/>
+              </a:avLst>
+            </a:prstGeom>
+          </p:spPr>
+          <p:style>
+            <a:lnRef idx="1">
+              <a:schemeClr val="accent1"/>
+            </a:lnRef>
+            <a:fillRef idx="0">
+              <a:schemeClr val="accent1"/>
+            </a:fillRef>
+            <a:effectRef idx="0">
+              <a:schemeClr val="accent1"/>
+            </a:effectRef>
+            <a:fontRef idx="minor">
+              <a:schemeClr val="tx1"/>
+            </a:fontRef>
+          </p:style>
+          <p:txBody>
+            <a:bodyPr rtlCol="0" anchor="ctr"/>
+            <a:lstStyle/>
+            <a:p>
+              <a:pPr algn="ctr"/>
+              <a:endParaRPr lang="en-US"/>
+            </a:p>
+          </p:txBody>
+        </p:sp>
+        <p:sp>
+          <p:nvSpPr>
+            <p:cNvPr id="23" name="TextBox 22">
+              <a:extLst>
+                <a:ext uri="{FF2B5EF4-FFF2-40B4-BE49-F238E27FC236}">
+                  <a16:creationId xmlns:a16="http://schemas.microsoft.com/office/drawing/2014/main" id="{D02ACF2C-B018-4AB9-A4B6-DC31D0A761A6}"/>
+                </a:ext>
+              </a:extLst>
+            </p:cNvPr>
+            <p:cNvSpPr txBox="1"/>
+            <p:nvPr/>
+          </p:nvSpPr>
+          <p:spPr>
+            <a:xfrm>
+              <a:off x="6858001" y="2887147"/>
+              <a:ext cx="500458" cy="369332"/>
+            </a:xfrm>
+            <a:prstGeom prst="rect">
+              <a:avLst/>
+            </a:prstGeom>
+            <a:noFill/>
+          </p:spPr>
+          <p:txBody>
+            <a:bodyPr wrap="none" rtlCol="0">
+              <a:spAutoFit/>
+            </a:bodyPr>
+            <a:lstStyle/>
+            <a:p>
+              <a:r>
+                <a:rPr lang="en-US" dirty="0">
+                  <a:solidFill>
+                    <a:srgbClr val="0070C0"/>
+                  </a:solidFill>
+                </a:rPr>
+                <a:t>60</a:t>
+              </a:r>
+              <a:r>
+                <a:rPr lang="en-US" baseline="30000" dirty="0">
+                  <a:solidFill>
+                    <a:srgbClr val="0070C0"/>
+                  </a:solidFill>
+                </a:rPr>
+                <a:t>o</a:t>
+              </a:r>
+            </a:p>
+          </p:txBody>
+        </p:sp>
+        <p:sp>
+          <p:nvSpPr>
+            <p:cNvPr id="24" name="TextBox 23">
+              <a:extLst>
+                <a:ext uri="{FF2B5EF4-FFF2-40B4-BE49-F238E27FC236}">
+                  <a16:creationId xmlns:a16="http://schemas.microsoft.com/office/drawing/2014/main" id="{2F02AE71-C531-4E1D-A9F1-0B427993AF02}"/>
+                </a:ext>
+              </a:extLst>
+            </p:cNvPr>
+            <p:cNvSpPr txBox="1"/>
+            <p:nvPr/>
+          </p:nvSpPr>
+          <p:spPr>
+            <a:xfrm>
+              <a:off x="7455302" y="2887147"/>
+              <a:ext cx="500458" cy="369332"/>
+            </a:xfrm>
+            <a:prstGeom prst="rect">
+              <a:avLst/>
+            </a:prstGeom>
+            <a:noFill/>
+          </p:spPr>
+          <p:txBody>
+            <a:bodyPr wrap="none" rtlCol="0">
+              <a:spAutoFit/>
+            </a:bodyPr>
+            <a:lstStyle/>
+            <a:p>
+              <a:r>
+                <a:rPr lang="en-US" dirty="0">
+                  <a:solidFill>
+                    <a:srgbClr val="0070C0"/>
+                  </a:solidFill>
+                </a:rPr>
+                <a:t>60</a:t>
+              </a:r>
+              <a:r>
+                <a:rPr lang="en-US" baseline="30000" dirty="0">
+                  <a:solidFill>
+                    <a:srgbClr val="0070C0"/>
+                  </a:solidFill>
+                </a:rPr>
+                <a:t>o</a:t>
+              </a:r>
+            </a:p>
+          </p:txBody>
+        </p:sp>
+      </p:grpSp>
+      <p:cxnSp>
+        <p:nvCxnSpPr>
+          <p:cNvPr id="28" name="Straight Connector 27">
+            <a:extLst>
+              <a:ext uri="{FF2B5EF4-FFF2-40B4-BE49-F238E27FC236}">
+                <a16:creationId xmlns:a16="http://schemas.microsoft.com/office/drawing/2014/main" id="{55C973F0-5F85-4781-B314-F54D19AF684D}"/>
+              </a:ext>
+            </a:extLst>
+          </p:cNvPr>
+          <p:cNvCxnSpPr>
+            <a:cxnSpLocks/>
+          </p:cNvCxnSpPr>
+          <p:nvPr/>
+        </p:nvCxnSpPr>
+        <p:spPr>
+          <a:xfrm>
+            <a:off x="7853349" y="2351088"/>
+            <a:ext cx="471482" cy="0"/>
+          </a:xfrm>
+          <a:prstGeom prst="line">
+            <a:avLst/>
+          </a:prstGeom>
+        </p:spPr>
+        <p:style>
+          <a:lnRef idx="1">
+            <a:schemeClr val="accent1"/>
+          </a:lnRef>
+          <a:fillRef idx="0">
+            <a:schemeClr val="accent1"/>
+          </a:fillRef>
+          <a:effectRef idx="0">
+            <a:schemeClr val="accent1"/>
+          </a:effectRef>
+          <a:fontRef idx="minor">
+            <a:schemeClr val="tx1"/>
+          </a:fontRef>
+        </p:style>
+      </p:cxnSp>
+      <p:cxnSp>
+        <p:nvCxnSpPr>
+          <p:cNvPr id="29" name="Straight Connector 28">
+            <a:extLst>
+              <a:ext uri="{FF2B5EF4-FFF2-40B4-BE49-F238E27FC236}">
+                <a16:creationId xmlns:a16="http://schemas.microsoft.com/office/drawing/2014/main" id="{819253E6-83F8-462E-A0DD-E10848B67681}"/>
+              </a:ext>
+            </a:extLst>
+          </p:cNvPr>
+          <p:cNvCxnSpPr>
+            <a:cxnSpLocks/>
+          </p:cNvCxnSpPr>
+          <p:nvPr/>
+        </p:nvCxnSpPr>
+        <p:spPr>
+          <a:xfrm>
+            <a:off x="7000872" y="3437454"/>
+            <a:ext cx="1323959" cy="0"/>
+          </a:xfrm>
+          <a:prstGeom prst="line">
+            <a:avLst/>
+          </a:prstGeom>
+        </p:spPr>
+        <p:style>
+          <a:lnRef idx="1">
+            <a:schemeClr val="accent1"/>
+          </a:lnRef>
+          <a:fillRef idx="0">
+            <a:schemeClr val="accent1"/>
+          </a:fillRef>
+          <a:effectRef idx="0">
+            <a:schemeClr val="accent1"/>
+          </a:effectRef>
+          <a:fontRef idx="minor">
+            <a:schemeClr val="tx1"/>
+          </a:fontRef>
+        </p:style>
+      </p:cxnSp>
+      <p:cxnSp>
+        <p:nvCxnSpPr>
+          <p:cNvPr id="31" name="Straight Connector 30">
+            <a:extLst>
+              <a:ext uri="{FF2B5EF4-FFF2-40B4-BE49-F238E27FC236}">
+                <a16:creationId xmlns:a16="http://schemas.microsoft.com/office/drawing/2014/main" id="{2A8EB798-80AC-4104-8F55-69A5000C5CAD}"/>
+              </a:ext>
+            </a:extLst>
+          </p:cNvPr>
+          <p:cNvCxnSpPr>
+            <a:cxnSpLocks/>
+          </p:cNvCxnSpPr>
+          <p:nvPr/>
+        </p:nvCxnSpPr>
+        <p:spPr>
+          <a:xfrm>
+            <a:off x="7000872" y="4286250"/>
+            <a:ext cx="1323959" cy="0"/>
+          </a:xfrm>
+          <a:prstGeom prst="line">
+            <a:avLst/>
+          </a:prstGeom>
+        </p:spPr>
+        <p:style>
+          <a:lnRef idx="1">
+            <a:schemeClr val="accent1"/>
+          </a:lnRef>
+          <a:fillRef idx="0">
+            <a:schemeClr val="accent1"/>
+          </a:fillRef>
+          <a:effectRef idx="0">
+            <a:schemeClr val="accent1"/>
+          </a:effectRef>
+          <a:fontRef idx="minor">
+            <a:schemeClr val="tx1"/>
+          </a:fontRef>
+        </p:style>
+      </p:cxnSp>
+      <p:cxnSp>
+        <p:nvCxnSpPr>
+          <p:cNvPr id="32" name="Straight Connector 31">
+            <a:extLst>
+              <a:ext uri="{FF2B5EF4-FFF2-40B4-BE49-F238E27FC236}">
+                <a16:creationId xmlns:a16="http://schemas.microsoft.com/office/drawing/2014/main" id="{9294EE60-5815-4ED3-A115-9682BB0D923C}"/>
+              </a:ext>
+            </a:extLst>
+          </p:cNvPr>
+          <p:cNvCxnSpPr>
+            <a:cxnSpLocks/>
+          </p:cNvCxnSpPr>
+          <p:nvPr/>
+        </p:nvCxnSpPr>
+        <p:spPr>
+          <a:xfrm>
+            <a:off x="7000872" y="5151735"/>
+            <a:ext cx="1323959" cy="0"/>
+          </a:xfrm>
+          <a:prstGeom prst="line">
+            <a:avLst/>
+          </a:prstGeom>
+        </p:spPr>
+        <p:style>
+          <a:lnRef idx="1">
+            <a:schemeClr val="accent1"/>
+          </a:lnRef>
+          <a:fillRef idx="0">
+            <a:schemeClr val="accent1"/>
+          </a:fillRef>
+          <a:effectRef idx="0">
+            <a:schemeClr val="accent1"/>
+          </a:effectRef>
+          <a:fontRef idx="minor">
+            <a:schemeClr val="tx1"/>
+          </a:fontRef>
+        </p:style>
+      </p:cxnSp>
+      <p:cxnSp>
+        <p:nvCxnSpPr>
+          <p:cNvPr id="33" name="Straight Connector 32">
+            <a:extLst>
+              <a:ext uri="{FF2B5EF4-FFF2-40B4-BE49-F238E27FC236}">
+                <a16:creationId xmlns:a16="http://schemas.microsoft.com/office/drawing/2014/main" id="{DBA40EAA-B960-4DE1-825D-E390563C9AF0}"/>
+              </a:ext>
+            </a:extLst>
+          </p:cNvPr>
+          <p:cNvCxnSpPr>
+            <a:cxnSpLocks/>
+          </p:cNvCxnSpPr>
+          <p:nvPr/>
+        </p:nvCxnSpPr>
+        <p:spPr>
+          <a:xfrm flipV="1">
+            <a:off x="8089090" y="2351089"/>
+            <a:ext cx="0" cy="2830511"/>
+          </a:xfrm>
+          <a:prstGeom prst="line">
+            <a:avLst/>
+          </a:prstGeom>
+        </p:spPr>
+        <p:style>
+          <a:lnRef idx="1">
+            <a:schemeClr val="accent1"/>
+          </a:lnRef>
+          <a:fillRef idx="0">
+            <a:schemeClr val="accent1"/>
+          </a:fillRef>
+          <a:effectRef idx="0">
+            <a:schemeClr val="accent1"/>
+          </a:effectRef>
+          <a:fontRef idx="minor">
+            <a:schemeClr val="tx1"/>
+          </a:fontRef>
+        </p:style>
+      </p:cxnSp>
+      <p:sp>
+        <p:nvSpPr>
+          <p:cNvPr id="36" name="TextBox 35">
+            <a:extLst>
+              <a:ext uri="{FF2B5EF4-FFF2-40B4-BE49-F238E27FC236}">
+                <a16:creationId xmlns:a16="http://schemas.microsoft.com/office/drawing/2014/main" id="{16C5D6D8-CA6D-4659-ADDA-6F4431C434B9}"/>
+              </a:ext>
+            </a:extLst>
+          </p:cNvPr>
+          <p:cNvSpPr txBox="1"/>
+          <p:nvPr/>
+        </p:nvSpPr>
+        <p:spPr>
+          <a:xfrm>
+            <a:off x="7724775" y="2731573"/>
+            <a:ext cx="741358" cy="369332"/>
+          </a:xfrm>
+          <a:prstGeom prst="rect">
+            <a:avLst/>
+          </a:prstGeom>
+          <a:solidFill>
+            <a:sysClr val="window" lastClr="FFFFFF"/>
+          </a:solidFill>
+        </p:spPr>
+        <p:txBody>
+          <a:bodyPr wrap="square" rtlCol="0">
+            <a:spAutoFit/>
+          </a:bodyPr>
+          <a:lstStyle/>
+          <a:p>
+            <a:pPr marL="0" marR="0" lvl="0" indent="0" algn="ctr" defTabSz="914400" eaLnBrk="1" fontAlgn="auto" latinLnBrk="0" hangingPunct="1">
+              <a:lnSpc>
+                <a:spcPct val="100000"/>
+              </a:lnSpc>
+              <a:spcBef>
+                <a:spcPts val="0"/>
+              </a:spcBef>
+              <a:spcAft>
+                <a:spcPts val="0"/>
+              </a:spcAft>
+              <a:buClrTx/>
+              <a:buSzTx/>
+              <a:buFontTx/>
+              <a:buNone/>
+              <a:tabLst/>
+              <a:defRPr/>
+            </a:pPr>
+            <a:r>
+              <a:rPr lang="en-US" kern="0" dirty="0">
+                <a:solidFill>
+                  <a:srgbClr val="5B9BD5"/>
+                </a:solidFill>
+              </a:rPr>
+              <a:t>3 m</a:t>
+            </a:r>
+            <a:endParaRPr kumimoji="0" lang="en-US" sz="1800" b="0" i="0" u="none" strike="noStrike" kern="0" cap="none" spc="0" normalizeH="0" baseline="0" noProof="0" dirty="0">
+              <a:ln>
+                <a:noFill/>
+              </a:ln>
+              <a:solidFill>
+                <a:srgbClr val="5B9BD5"/>
+              </a:solidFill>
+              <a:effectLst/>
+              <a:uLnTx/>
+              <a:uFillTx/>
+            </a:endParaRPr>
+          </a:p>
+        </p:txBody>
+      </p:sp>
+      <p:sp>
+        <p:nvSpPr>
+          <p:cNvPr id="37" name="TextBox 36">
+            <a:extLst>
+              <a:ext uri="{FF2B5EF4-FFF2-40B4-BE49-F238E27FC236}">
+                <a16:creationId xmlns:a16="http://schemas.microsoft.com/office/drawing/2014/main" id="{01CC910A-85B5-4B8E-8CAB-6C13C962E75E}"/>
+              </a:ext>
+            </a:extLst>
+          </p:cNvPr>
+          <p:cNvSpPr txBox="1"/>
+          <p:nvPr/>
+        </p:nvSpPr>
+        <p:spPr>
+          <a:xfrm>
+            <a:off x="7724775" y="3669268"/>
+            <a:ext cx="741358" cy="369332"/>
+          </a:xfrm>
+          <a:prstGeom prst="rect">
+            <a:avLst/>
+          </a:prstGeom>
+          <a:solidFill>
+            <a:sysClr val="window" lastClr="FFFFFF"/>
+          </a:solidFill>
+        </p:spPr>
+        <p:txBody>
+          <a:bodyPr wrap="square" rtlCol="0">
+            <a:spAutoFit/>
+          </a:bodyPr>
+          <a:lstStyle/>
+          <a:p>
+            <a:pPr marL="0" marR="0" lvl="0" indent="0" algn="ctr" defTabSz="914400" eaLnBrk="1" fontAlgn="auto" latinLnBrk="0" hangingPunct="1">
+              <a:lnSpc>
+                <a:spcPct val="100000"/>
+              </a:lnSpc>
+              <a:spcBef>
+                <a:spcPts val="0"/>
+              </a:spcBef>
+              <a:spcAft>
+                <a:spcPts val="0"/>
+              </a:spcAft>
+              <a:buClrTx/>
+              <a:buSzTx/>
+              <a:buFontTx/>
+              <a:buNone/>
+              <a:tabLst/>
+              <a:defRPr/>
+            </a:pPr>
+            <a:r>
+              <a:rPr lang="en-US" kern="0" dirty="0">
+                <a:solidFill>
+                  <a:srgbClr val="5B9BD5"/>
+                </a:solidFill>
+              </a:rPr>
+              <a:t>2 m</a:t>
+            </a:r>
+            <a:endParaRPr kumimoji="0" lang="en-US" sz="1800" b="0" i="0" u="none" strike="noStrike" kern="0" cap="none" spc="0" normalizeH="0" baseline="0" noProof="0" dirty="0">
+              <a:ln>
+                <a:noFill/>
+              </a:ln>
+              <a:solidFill>
+                <a:srgbClr val="5B9BD5"/>
+              </a:solidFill>
+              <a:effectLst/>
+              <a:uLnTx/>
+              <a:uFillTx/>
+            </a:endParaRPr>
+          </a:p>
+        </p:txBody>
+      </p:sp>
+      <p:sp>
+        <p:nvSpPr>
+          <p:cNvPr id="38" name="TextBox 37">
+            <a:extLst>
+              <a:ext uri="{FF2B5EF4-FFF2-40B4-BE49-F238E27FC236}">
+                <a16:creationId xmlns:a16="http://schemas.microsoft.com/office/drawing/2014/main" id="{571068E0-8D08-42DE-BF64-F56127E79D60}"/>
+              </a:ext>
+            </a:extLst>
+          </p:cNvPr>
+          <p:cNvSpPr txBox="1"/>
+          <p:nvPr/>
+        </p:nvSpPr>
+        <p:spPr>
+          <a:xfrm>
+            <a:off x="7724775" y="4526518"/>
+            <a:ext cx="741358" cy="369332"/>
+          </a:xfrm>
+          <a:prstGeom prst="rect">
+            <a:avLst/>
+          </a:prstGeom>
+          <a:solidFill>
+            <a:sysClr val="window" lastClr="FFFFFF"/>
+          </a:solidFill>
+        </p:spPr>
+        <p:txBody>
+          <a:bodyPr wrap="square" rtlCol="0">
+            <a:spAutoFit/>
+          </a:bodyPr>
+          <a:lstStyle/>
+          <a:p>
+            <a:pPr marL="0" marR="0" lvl="0" indent="0" algn="ctr" defTabSz="914400" eaLnBrk="1" fontAlgn="auto" latinLnBrk="0" hangingPunct="1">
+              <a:lnSpc>
+                <a:spcPct val="100000"/>
+              </a:lnSpc>
+              <a:spcBef>
+                <a:spcPts val="0"/>
+              </a:spcBef>
+              <a:spcAft>
+                <a:spcPts val="0"/>
+              </a:spcAft>
+              <a:buClrTx/>
+              <a:buSzTx/>
+              <a:buFontTx/>
+              <a:buNone/>
+              <a:tabLst/>
+              <a:defRPr/>
+            </a:pPr>
+            <a:r>
+              <a:rPr lang="en-US" kern="0" dirty="0">
+                <a:solidFill>
+                  <a:srgbClr val="5B9BD5"/>
+                </a:solidFill>
+              </a:rPr>
+              <a:t>2 m</a:t>
+            </a:r>
+            <a:endParaRPr kumimoji="0" lang="en-US" sz="1800" b="0" i="0" u="none" strike="noStrike" kern="0" cap="none" spc="0" normalizeH="0" baseline="0" noProof="0" dirty="0">
+              <a:ln>
+                <a:noFill/>
+              </a:ln>
+              <a:solidFill>
+                <a:srgbClr val="5B9BD5"/>
+              </a:solidFill>
+              <a:effectLst/>
+              <a:uLnTx/>
+              <a:uFillTx/>
+            </a:endParaRPr>
+          </a:p>
+        </p:txBody>
+      </p:sp>
+    </p:spTree>
+    <p:extLst>
+      <p:ext uri="{BB962C8B-B14F-4D97-AF65-F5344CB8AC3E}">
+        <p14:creationId xmlns:p14="http://schemas.microsoft.com/office/powerpoint/2010/main" val="3559353401"/>
+      </p:ext>
+    </p:extLst>
+  </p:cSld>
+  <p:clrMapOvr>
+    <a:masterClrMapping/>
+  </p:clrMapOvr>
+</p:sld>
+</file>
+
+<file path=ppt/slides/slide16.xml><?xml version="1.0" encoding="utf-8"?>
+<p:sld xmlns:a="http://schemas.openxmlformats.org/drawingml/2006/main" xmlns:r="http://schemas.openxmlformats.org/officeDocument/2006/relationships" xmlns:p="http://schemas.openxmlformats.org/presentationml/2006/main">
+  <p:cSld>
+    <p:spTree>
+      <p:nvGrpSpPr>
+        <p:cNvPr id="1" name=""/>
+        <p:cNvGrpSpPr/>
+        <p:nvPr/>
+      </p:nvGrpSpPr>
+      <p:grpSpPr>
+        <a:xfrm>
+          <a:off x="0" y="0"/>
+          <a:ext cx="0" cy="0"/>
+          <a:chOff x="0" y="0"/>
+          <a:chExt cx="0" cy="0"/>
+        </a:xfrm>
+      </p:grpSpPr>
+      <p:sp>
+        <p:nvSpPr>
+          <p:cNvPr id="2" name="Title 1">
+            <a:extLst>
+              <a:ext uri="{FF2B5EF4-FFF2-40B4-BE49-F238E27FC236}">
                 <a16:creationId xmlns:a16="http://schemas.microsoft.com/office/drawing/2014/main" id="{E1942455-4446-4AC8-90D6-3A5C9DF5126B}"/>
               </a:ext>
             </a:extLst>
@@ -9615,6 +10787,2204 @@
     <p:extLst>
       <p:ext uri="{BB962C8B-B14F-4D97-AF65-F5344CB8AC3E}">
         <p14:creationId xmlns:p14="http://schemas.microsoft.com/office/powerpoint/2010/main" val="3312164711"/>
+      </p:ext>
+    </p:extLst>
+  </p:cSld>
+  <p:clrMapOvr>
+    <a:masterClrMapping/>
+  </p:clrMapOvr>
+</p:sld>
+</file>
+
+<file path=ppt/slides/slide17.xml><?xml version="1.0" encoding="utf-8"?>
+<p:sld xmlns:a="http://schemas.openxmlformats.org/drawingml/2006/main" xmlns:r="http://schemas.openxmlformats.org/officeDocument/2006/relationships" xmlns:p="http://schemas.openxmlformats.org/presentationml/2006/main">
+  <p:cSld>
+    <p:spTree>
+      <p:nvGrpSpPr>
+        <p:cNvPr id="1" name=""/>
+        <p:cNvGrpSpPr/>
+        <p:nvPr/>
+      </p:nvGrpSpPr>
+      <p:grpSpPr>
+        <a:xfrm>
+          <a:off x="0" y="0"/>
+          <a:ext cx="0" cy="0"/>
+          <a:chOff x="0" y="0"/>
+          <a:chExt cx="0" cy="0"/>
+        </a:xfrm>
+      </p:grpSpPr>
+      <p:sp>
+        <p:nvSpPr>
+          <p:cNvPr id="2" name="Title 1">
+            <a:extLst>
+              <a:ext uri="{FF2B5EF4-FFF2-40B4-BE49-F238E27FC236}">
+                <a16:creationId xmlns:a16="http://schemas.microsoft.com/office/drawing/2014/main" id="{13DDF4C1-C8C0-4FB3-820C-E8D58A65B392}"/>
+              </a:ext>
+            </a:extLst>
+          </p:cNvPr>
+          <p:cNvSpPr>
+            <a:spLocks noGrp="1"/>
+          </p:cNvSpPr>
+          <p:nvPr>
+            <p:ph type="title"/>
+          </p:nvPr>
+        </p:nvSpPr>
+        <p:spPr/>
+        <p:txBody>
+          <a:bodyPr/>
+          <a:lstStyle/>
+          <a:p>
+            <a:r>
+              <a:rPr lang="en-US" dirty="0"/>
+              <a:t>Torsion Diagram Worked Example</a:t>
+            </a:r>
+          </a:p>
+        </p:txBody>
+      </p:sp>
+      <p:sp>
+        <p:nvSpPr>
+          <p:cNvPr id="3" name="Content Placeholder 2">
+            <a:extLst>
+              <a:ext uri="{FF2B5EF4-FFF2-40B4-BE49-F238E27FC236}">
+                <a16:creationId xmlns:a16="http://schemas.microsoft.com/office/drawing/2014/main" id="{1C7BFCAF-6918-46AD-9ED7-C8EA457927A2}"/>
+              </a:ext>
+            </a:extLst>
+          </p:cNvPr>
+          <p:cNvSpPr>
+            <a:spLocks noGrp="1"/>
+          </p:cNvSpPr>
+          <p:nvPr>
+            <p:ph idx="1"/>
+          </p:nvPr>
+        </p:nvSpPr>
+        <p:spPr>
+          <a:xfrm>
+            <a:off x="453169" y="1431224"/>
+            <a:ext cx="8077200" cy="1773512"/>
+          </a:xfrm>
+        </p:spPr>
+        <p:txBody>
+          <a:bodyPr/>
+          <a:lstStyle/>
+          <a:p>
+            <a:r>
+              <a:rPr lang="en-US" dirty="0"/>
+              <a:t>A steel shaft is subjected to the torques shown below. Draw the torque diagram for this shaft.</a:t>
+            </a:r>
+          </a:p>
+          <a:p>
+            <a:endParaRPr lang="en-US" dirty="0"/>
+          </a:p>
+        </p:txBody>
+      </p:sp>
+      <p:sp>
+        <p:nvSpPr>
+          <p:cNvPr id="4" name="Slide Number Placeholder 3">
+            <a:extLst>
+              <a:ext uri="{FF2B5EF4-FFF2-40B4-BE49-F238E27FC236}">
+                <a16:creationId xmlns:a16="http://schemas.microsoft.com/office/drawing/2014/main" id="{6687CABD-9C4D-4321-84C9-5E9480CC319E}"/>
+              </a:ext>
+            </a:extLst>
+          </p:cNvPr>
+          <p:cNvSpPr>
+            <a:spLocks noGrp="1"/>
+          </p:cNvSpPr>
+          <p:nvPr>
+            <p:ph type="sldNum" sz="quarter" idx="12"/>
+          </p:nvPr>
+        </p:nvSpPr>
+        <p:spPr/>
+        <p:txBody>
+          <a:bodyPr/>
+          <a:lstStyle/>
+          <a:p>
+            <a:fld id="{929262FE-7F58-4A1E-8AF3-5A510A86DEBD}" type="slidenum">
+              <a:rPr lang="en-US" smtClean="0"/>
+              <a:t>17</a:t>
+            </a:fld>
+            <a:endParaRPr lang="en-US"/>
+          </a:p>
+        </p:txBody>
+      </p:sp>
+      <p:sp>
+        <p:nvSpPr>
+          <p:cNvPr id="6" name="Can 1">
+            <a:extLst>
+              <a:ext uri="{FF2B5EF4-FFF2-40B4-BE49-F238E27FC236}">
+                <a16:creationId xmlns:a16="http://schemas.microsoft.com/office/drawing/2014/main" id="{C169D5D5-B652-435F-9627-084291393BD9}"/>
+              </a:ext>
+            </a:extLst>
+          </p:cNvPr>
+          <p:cNvSpPr/>
+          <p:nvPr/>
+        </p:nvSpPr>
+        <p:spPr>
+          <a:xfrm rot="5400000">
+            <a:off x="692823" y="4700886"/>
+            <a:ext cx="1490307" cy="742352"/>
+          </a:xfrm>
+          <a:prstGeom prst="can">
+            <a:avLst>
+              <a:gd name="adj" fmla="val 50000"/>
+            </a:avLst>
+          </a:prstGeom>
+          <a:solidFill>
+            <a:srgbClr val="A5A5A5"/>
+          </a:solidFill>
+          <a:ln w="12700" cap="flat" cmpd="sng" algn="ctr">
+            <a:solidFill>
+              <a:srgbClr val="A5A5A5">
+                <a:shade val="50000"/>
+              </a:srgbClr>
+            </a:solidFill>
+            <a:prstDash val="solid"/>
+            <a:miter lim="800000"/>
+          </a:ln>
+          <a:effectLst/>
+        </p:spPr>
+        <p:txBody>
+          <a:bodyPr rtlCol="0" anchor="ctr"/>
+          <a:lstStyle/>
+          <a:p>
+            <a:pPr marL="0" marR="0" lvl="0" indent="0" algn="ctr" defTabSz="914400" eaLnBrk="1" fontAlgn="auto" latinLnBrk="0" hangingPunct="1">
+              <a:lnSpc>
+                <a:spcPct val="100000"/>
+              </a:lnSpc>
+              <a:spcBef>
+                <a:spcPts val="0"/>
+              </a:spcBef>
+              <a:spcAft>
+                <a:spcPts val="0"/>
+              </a:spcAft>
+              <a:buClrTx/>
+              <a:buSzTx/>
+              <a:buFontTx/>
+              <a:buNone/>
+              <a:tabLst/>
+              <a:defRPr/>
+            </a:pPr>
+            <a:endParaRPr kumimoji="0" lang="en-US" sz="1800" b="0" i="0" u="none" strike="noStrike" kern="0" cap="none" spc="0" normalizeH="0" baseline="0" noProof="0">
+              <a:ln>
+                <a:noFill/>
+              </a:ln>
+              <a:solidFill>
+                <a:prstClr val="white"/>
+              </a:solidFill>
+              <a:effectLst/>
+              <a:uLnTx/>
+              <a:uFillTx/>
+              <a:latin typeface="Calibri" panose="020F0502020204030204"/>
+              <a:ea typeface="+mn-ea"/>
+              <a:cs typeface="+mn-cs"/>
+            </a:endParaRPr>
+          </a:p>
+        </p:txBody>
+      </p:sp>
+      <p:cxnSp>
+        <p:nvCxnSpPr>
+          <p:cNvPr id="11" name="Straight Connector 10">
+            <a:extLst>
+              <a:ext uri="{FF2B5EF4-FFF2-40B4-BE49-F238E27FC236}">
+                <a16:creationId xmlns:a16="http://schemas.microsoft.com/office/drawing/2014/main" id="{4F8F5BC0-83BA-4E75-B28B-42A3F8B41635}"/>
+              </a:ext>
+            </a:extLst>
+          </p:cNvPr>
+          <p:cNvCxnSpPr>
+            <a:cxnSpLocks/>
+          </p:cNvCxnSpPr>
+          <p:nvPr/>
+        </p:nvCxnSpPr>
+        <p:spPr>
+          <a:xfrm flipH="1">
+            <a:off x="1437977" y="6098360"/>
+            <a:ext cx="6009975" cy="0"/>
+          </a:xfrm>
+          <a:prstGeom prst="line">
+            <a:avLst/>
+          </a:prstGeom>
+          <a:noFill/>
+          <a:ln w="6350" cap="flat" cmpd="sng" algn="ctr">
+            <a:solidFill>
+              <a:srgbClr val="5B9BD5"/>
+            </a:solidFill>
+            <a:prstDash val="solid"/>
+            <a:miter lim="800000"/>
+          </a:ln>
+          <a:effectLst/>
+        </p:spPr>
+      </p:cxnSp>
+      <p:sp>
+        <p:nvSpPr>
+          <p:cNvPr id="13" name="TextBox 12">
+            <a:extLst>
+              <a:ext uri="{FF2B5EF4-FFF2-40B4-BE49-F238E27FC236}">
+                <a16:creationId xmlns:a16="http://schemas.microsoft.com/office/drawing/2014/main" id="{0E210087-7C2D-47A5-A1F3-A0C311AB86A0}"/>
+              </a:ext>
+            </a:extLst>
+          </p:cNvPr>
+          <p:cNvSpPr txBox="1"/>
+          <p:nvPr/>
+        </p:nvSpPr>
+        <p:spPr>
+          <a:xfrm>
+            <a:off x="1022513" y="3688099"/>
+            <a:ext cx="966931" cy="369332"/>
+          </a:xfrm>
+          <a:prstGeom prst="rect">
+            <a:avLst/>
+          </a:prstGeom>
+          <a:noFill/>
+        </p:spPr>
+        <p:txBody>
+          <a:bodyPr wrap="none" rtlCol="0">
+            <a:spAutoFit/>
+          </a:bodyPr>
+          <a:lstStyle/>
+          <a:p>
+            <a:pPr lvl="0"/>
+            <a:r>
+              <a:rPr lang="en-US" b="1" kern="0" dirty="0">
+                <a:solidFill>
+                  <a:srgbClr val="7030A0"/>
+                </a:solidFill>
+              </a:rPr>
+              <a:t>60 ft-lbs</a:t>
+            </a:r>
+            <a:endParaRPr kumimoji="0" lang="en-US" sz="1800" b="1" i="0" u="none" strike="noStrike" kern="0" cap="none" spc="0" normalizeH="0" baseline="0" noProof="0" dirty="0">
+              <a:ln>
+                <a:noFill/>
+              </a:ln>
+              <a:solidFill>
+                <a:srgbClr val="7030A0"/>
+              </a:solidFill>
+              <a:effectLst/>
+              <a:uLnTx/>
+              <a:uFillTx/>
+            </a:endParaRPr>
+          </a:p>
+        </p:txBody>
+      </p:sp>
+      <p:sp>
+        <p:nvSpPr>
+          <p:cNvPr id="15" name="Arc 14">
+            <a:extLst>
+              <a:ext uri="{FF2B5EF4-FFF2-40B4-BE49-F238E27FC236}">
+                <a16:creationId xmlns:a16="http://schemas.microsoft.com/office/drawing/2014/main" id="{F2E19CDC-B0AE-4A64-94A1-75C6F65353FC}"/>
+              </a:ext>
+            </a:extLst>
+          </p:cNvPr>
+          <p:cNvSpPr/>
+          <p:nvPr/>
+        </p:nvSpPr>
+        <p:spPr>
+          <a:xfrm flipV="1">
+            <a:off x="1229185" y="4115600"/>
+            <a:ext cx="553588" cy="1939387"/>
+          </a:xfrm>
+          <a:prstGeom prst="arc">
+            <a:avLst>
+              <a:gd name="adj1" fmla="val 4712142"/>
+              <a:gd name="adj2" fmla="val 16887343"/>
+            </a:avLst>
+          </a:prstGeom>
+          <a:noFill/>
+          <a:ln w="38100" cap="flat" cmpd="sng" algn="ctr">
+            <a:solidFill>
+              <a:srgbClr val="7030A0"/>
+            </a:solidFill>
+            <a:prstDash val="solid"/>
+            <a:miter lim="800000"/>
+            <a:headEnd type="none" w="med" len="med"/>
+            <a:tailEnd type="arrow" w="med" len="med"/>
+          </a:ln>
+          <a:effectLst/>
+        </p:spPr>
+        <p:txBody>
+          <a:bodyPr rtlCol="0" anchor="ctr"/>
+          <a:lstStyle/>
+          <a:p>
+            <a:pPr marL="0" marR="0" lvl="0" indent="0" algn="ctr" defTabSz="914400" eaLnBrk="1" fontAlgn="auto" latinLnBrk="0" hangingPunct="1">
+              <a:lnSpc>
+                <a:spcPct val="100000"/>
+              </a:lnSpc>
+              <a:spcBef>
+                <a:spcPts val="0"/>
+              </a:spcBef>
+              <a:spcAft>
+                <a:spcPts val="0"/>
+              </a:spcAft>
+              <a:buClrTx/>
+              <a:buSzTx/>
+              <a:buFontTx/>
+              <a:buNone/>
+              <a:tabLst/>
+              <a:defRPr/>
+            </a:pPr>
+            <a:endParaRPr kumimoji="0" lang="en-US" sz="1800" b="0" i="0" u="none" strike="noStrike" kern="0" cap="none" spc="0" normalizeH="0" baseline="0" noProof="0">
+              <a:ln>
+                <a:noFill/>
+              </a:ln>
+              <a:solidFill>
+                <a:prstClr val="black"/>
+              </a:solidFill>
+              <a:effectLst/>
+              <a:uLnTx/>
+              <a:uFillTx/>
+              <a:latin typeface="Calibri" panose="020F0502020204030204"/>
+              <a:ea typeface="+mn-ea"/>
+              <a:cs typeface="+mn-cs"/>
+            </a:endParaRPr>
+          </a:p>
+        </p:txBody>
+      </p:sp>
+      <p:cxnSp>
+        <p:nvCxnSpPr>
+          <p:cNvPr id="21" name="Straight Connector 20">
+            <a:extLst>
+              <a:ext uri="{FF2B5EF4-FFF2-40B4-BE49-F238E27FC236}">
+                <a16:creationId xmlns:a16="http://schemas.microsoft.com/office/drawing/2014/main" id="{67BCA902-3CF6-4872-B176-BA16AC9B2101}"/>
+              </a:ext>
+            </a:extLst>
+          </p:cNvPr>
+          <p:cNvCxnSpPr>
+            <a:cxnSpLocks/>
+          </p:cNvCxnSpPr>
+          <p:nvPr/>
+        </p:nvCxnSpPr>
+        <p:spPr>
+          <a:xfrm flipH="1">
+            <a:off x="1437976" y="5903961"/>
+            <a:ext cx="0" cy="388798"/>
+          </a:xfrm>
+          <a:prstGeom prst="line">
+            <a:avLst/>
+          </a:prstGeom>
+          <a:noFill/>
+          <a:ln w="6350" cap="flat" cmpd="sng" algn="ctr">
+            <a:solidFill>
+              <a:srgbClr val="5B9BD5"/>
+            </a:solidFill>
+            <a:prstDash val="solid"/>
+            <a:miter lim="800000"/>
+          </a:ln>
+          <a:effectLst/>
+        </p:spPr>
+      </p:cxnSp>
+      <p:sp>
+        <p:nvSpPr>
+          <p:cNvPr id="24" name="TextBox 23">
+            <a:extLst>
+              <a:ext uri="{FF2B5EF4-FFF2-40B4-BE49-F238E27FC236}">
+                <a16:creationId xmlns:a16="http://schemas.microsoft.com/office/drawing/2014/main" id="{9CF2F943-D09F-463A-9561-6CFF366EB60B}"/>
+              </a:ext>
+            </a:extLst>
+          </p:cNvPr>
+          <p:cNvSpPr txBox="1"/>
+          <p:nvPr/>
+        </p:nvSpPr>
+        <p:spPr>
+          <a:xfrm>
+            <a:off x="1869727" y="5925787"/>
+            <a:ext cx="664292" cy="369332"/>
+          </a:xfrm>
+          <a:prstGeom prst="rect">
+            <a:avLst/>
+          </a:prstGeom>
+          <a:solidFill>
+            <a:sysClr val="window" lastClr="FFFFFF"/>
+          </a:solidFill>
+        </p:spPr>
+        <p:txBody>
+          <a:bodyPr wrap="square" rtlCol="0">
+            <a:spAutoFit/>
+          </a:bodyPr>
+          <a:lstStyle/>
+          <a:p>
+            <a:pPr marL="0" marR="0" lvl="0" indent="0" algn="ctr" defTabSz="914400" eaLnBrk="1" fontAlgn="auto" latinLnBrk="0" hangingPunct="1">
+              <a:lnSpc>
+                <a:spcPct val="100000"/>
+              </a:lnSpc>
+              <a:spcBef>
+                <a:spcPts val="0"/>
+              </a:spcBef>
+              <a:spcAft>
+                <a:spcPts val="0"/>
+              </a:spcAft>
+              <a:buClrTx/>
+              <a:buSzTx/>
+              <a:buFontTx/>
+              <a:buNone/>
+              <a:tabLst/>
+              <a:defRPr/>
+            </a:pPr>
+            <a:r>
+              <a:rPr lang="en-US" kern="0" dirty="0">
+                <a:solidFill>
+                  <a:srgbClr val="5B9BD5"/>
+                </a:solidFill>
+              </a:rPr>
+              <a:t>2 ft</a:t>
+            </a:r>
+            <a:endParaRPr kumimoji="0" lang="en-US" sz="1800" b="0" i="0" u="none" strike="noStrike" kern="0" cap="none" spc="0" normalizeH="0" baseline="0" noProof="0" dirty="0">
+              <a:ln>
+                <a:noFill/>
+              </a:ln>
+              <a:solidFill>
+                <a:srgbClr val="5B9BD5"/>
+              </a:solidFill>
+              <a:effectLst/>
+              <a:uLnTx/>
+              <a:uFillTx/>
+            </a:endParaRPr>
+          </a:p>
+        </p:txBody>
+      </p:sp>
+      <p:sp>
+        <p:nvSpPr>
+          <p:cNvPr id="30" name="Can 4">
+            <a:extLst>
+              <a:ext uri="{FF2B5EF4-FFF2-40B4-BE49-F238E27FC236}">
+                <a16:creationId xmlns:a16="http://schemas.microsoft.com/office/drawing/2014/main" id="{9F176CF3-3BCE-49AB-B736-C6FDAE174510}"/>
+              </a:ext>
+            </a:extLst>
+          </p:cNvPr>
+          <p:cNvSpPr/>
+          <p:nvPr/>
+        </p:nvSpPr>
+        <p:spPr>
+          <a:xfrm rot="5400000">
+            <a:off x="2001993" y="4511096"/>
+            <a:ext cx="321345" cy="1121933"/>
+          </a:xfrm>
+          <a:prstGeom prst="can">
+            <a:avLst>
+              <a:gd name="adj" fmla="val 26842"/>
+            </a:avLst>
+          </a:prstGeom>
+          <a:solidFill>
+            <a:srgbClr val="A5A5A5"/>
+          </a:solidFill>
+          <a:ln w="12700" cap="flat" cmpd="sng" algn="ctr">
+            <a:solidFill>
+              <a:srgbClr val="A5A5A5">
+                <a:shade val="50000"/>
+              </a:srgbClr>
+            </a:solidFill>
+            <a:prstDash val="solid"/>
+            <a:miter lim="800000"/>
+          </a:ln>
+          <a:effectLst/>
+        </p:spPr>
+        <p:txBody>
+          <a:bodyPr rtlCol="0" anchor="ctr"/>
+          <a:lstStyle/>
+          <a:p>
+            <a:pPr marL="0" marR="0" lvl="0" indent="0" algn="ctr" defTabSz="914400" eaLnBrk="1" fontAlgn="auto" latinLnBrk="0" hangingPunct="1">
+              <a:lnSpc>
+                <a:spcPct val="100000"/>
+              </a:lnSpc>
+              <a:spcBef>
+                <a:spcPts val="0"/>
+              </a:spcBef>
+              <a:spcAft>
+                <a:spcPts val="0"/>
+              </a:spcAft>
+              <a:buClrTx/>
+              <a:buSzTx/>
+              <a:buFontTx/>
+              <a:buNone/>
+              <a:tabLst/>
+              <a:defRPr/>
+            </a:pPr>
+            <a:endParaRPr kumimoji="0" lang="en-US" sz="1800" b="0" i="0" u="none" strike="noStrike" kern="0" cap="none" spc="0" normalizeH="0" baseline="0" noProof="0">
+              <a:ln>
+                <a:noFill/>
+              </a:ln>
+              <a:solidFill>
+                <a:prstClr val="white"/>
+              </a:solidFill>
+              <a:effectLst/>
+              <a:uLnTx/>
+              <a:uFillTx/>
+              <a:latin typeface="Calibri" panose="020F0502020204030204"/>
+              <a:ea typeface="+mn-ea"/>
+              <a:cs typeface="+mn-cs"/>
+            </a:endParaRPr>
+          </a:p>
+        </p:txBody>
+      </p:sp>
+      <p:sp>
+        <p:nvSpPr>
+          <p:cNvPr id="26" name="Can 1">
+            <a:extLst>
+              <a:ext uri="{FF2B5EF4-FFF2-40B4-BE49-F238E27FC236}">
+                <a16:creationId xmlns:a16="http://schemas.microsoft.com/office/drawing/2014/main" id="{68C8A9C8-BD21-4B60-9018-996FBA6AA9D9}"/>
+              </a:ext>
+            </a:extLst>
+          </p:cNvPr>
+          <p:cNvSpPr/>
+          <p:nvPr/>
+        </p:nvSpPr>
+        <p:spPr>
+          <a:xfrm rot="5400000">
+            <a:off x="2195317" y="4700886"/>
+            <a:ext cx="1490307" cy="742352"/>
+          </a:xfrm>
+          <a:prstGeom prst="can">
+            <a:avLst>
+              <a:gd name="adj" fmla="val 50000"/>
+            </a:avLst>
+          </a:prstGeom>
+          <a:solidFill>
+            <a:srgbClr val="A5A5A5"/>
+          </a:solidFill>
+          <a:ln w="12700" cap="flat" cmpd="sng" algn="ctr">
+            <a:solidFill>
+              <a:srgbClr val="A5A5A5">
+                <a:shade val="50000"/>
+              </a:srgbClr>
+            </a:solidFill>
+            <a:prstDash val="solid"/>
+            <a:miter lim="800000"/>
+          </a:ln>
+          <a:effectLst/>
+        </p:spPr>
+        <p:txBody>
+          <a:bodyPr rtlCol="0" anchor="ctr"/>
+          <a:lstStyle/>
+          <a:p>
+            <a:pPr marL="0" marR="0" lvl="0" indent="0" algn="ctr" defTabSz="914400" eaLnBrk="1" fontAlgn="auto" latinLnBrk="0" hangingPunct="1">
+              <a:lnSpc>
+                <a:spcPct val="100000"/>
+              </a:lnSpc>
+              <a:spcBef>
+                <a:spcPts val="0"/>
+              </a:spcBef>
+              <a:spcAft>
+                <a:spcPts val="0"/>
+              </a:spcAft>
+              <a:buClrTx/>
+              <a:buSzTx/>
+              <a:buFontTx/>
+              <a:buNone/>
+              <a:tabLst/>
+              <a:defRPr/>
+            </a:pPr>
+            <a:endParaRPr kumimoji="0" lang="en-US" sz="1800" b="0" i="0" u="none" strike="noStrike" kern="0" cap="none" spc="0" normalizeH="0" baseline="0" noProof="0">
+              <a:ln>
+                <a:noFill/>
+              </a:ln>
+              <a:solidFill>
+                <a:prstClr val="white"/>
+              </a:solidFill>
+              <a:effectLst/>
+              <a:uLnTx/>
+              <a:uFillTx/>
+              <a:latin typeface="Calibri" panose="020F0502020204030204"/>
+              <a:ea typeface="+mn-ea"/>
+              <a:cs typeface="+mn-cs"/>
+            </a:endParaRPr>
+          </a:p>
+        </p:txBody>
+      </p:sp>
+      <p:sp>
+        <p:nvSpPr>
+          <p:cNvPr id="29" name="Can 4">
+            <a:extLst>
+              <a:ext uri="{FF2B5EF4-FFF2-40B4-BE49-F238E27FC236}">
+                <a16:creationId xmlns:a16="http://schemas.microsoft.com/office/drawing/2014/main" id="{5ECB44EC-42FA-4BC0-BC5C-0A85287D32E9}"/>
+              </a:ext>
+            </a:extLst>
+          </p:cNvPr>
+          <p:cNvSpPr/>
+          <p:nvPr/>
+        </p:nvSpPr>
+        <p:spPr>
+          <a:xfrm rot="5400000">
+            <a:off x="3520371" y="4511096"/>
+            <a:ext cx="321345" cy="1121933"/>
+          </a:xfrm>
+          <a:prstGeom prst="can">
+            <a:avLst>
+              <a:gd name="adj" fmla="val 26842"/>
+            </a:avLst>
+          </a:prstGeom>
+          <a:solidFill>
+            <a:srgbClr val="A5A5A5"/>
+          </a:solidFill>
+          <a:ln w="12700" cap="flat" cmpd="sng" algn="ctr">
+            <a:solidFill>
+              <a:srgbClr val="A5A5A5">
+                <a:shade val="50000"/>
+              </a:srgbClr>
+            </a:solidFill>
+            <a:prstDash val="solid"/>
+            <a:miter lim="800000"/>
+          </a:ln>
+          <a:effectLst/>
+        </p:spPr>
+        <p:txBody>
+          <a:bodyPr rtlCol="0" anchor="ctr"/>
+          <a:lstStyle/>
+          <a:p>
+            <a:pPr marL="0" marR="0" lvl="0" indent="0" algn="ctr" defTabSz="914400" eaLnBrk="1" fontAlgn="auto" latinLnBrk="0" hangingPunct="1">
+              <a:lnSpc>
+                <a:spcPct val="100000"/>
+              </a:lnSpc>
+              <a:spcBef>
+                <a:spcPts val="0"/>
+              </a:spcBef>
+              <a:spcAft>
+                <a:spcPts val="0"/>
+              </a:spcAft>
+              <a:buClrTx/>
+              <a:buSzTx/>
+              <a:buFontTx/>
+              <a:buNone/>
+              <a:tabLst/>
+              <a:defRPr/>
+            </a:pPr>
+            <a:endParaRPr kumimoji="0" lang="en-US" sz="1800" b="0" i="0" u="none" strike="noStrike" kern="0" cap="none" spc="0" normalizeH="0" baseline="0" noProof="0">
+              <a:ln>
+                <a:noFill/>
+              </a:ln>
+              <a:solidFill>
+                <a:prstClr val="white"/>
+              </a:solidFill>
+              <a:effectLst/>
+              <a:uLnTx/>
+              <a:uFillTx/>
+              <a:latin typeface="Calibri" panose="020F0502020204030204"/>
+              <a:ea typeface="+mn-ea"/>
+              <a:cs typeface="+mn-cs"/>
+            </a:endParaRPr>
+          </a:p>
+        </p:txBody>
+      </p:sp>
+      <p:sp>
+        <p:nvSpPr>
+          <p:cNvPr id="27" name="Can 1">
+            <a:extLst>
+              <a:ext uri="{FF2B5EF4-FFF2-40B4-BE49-F238E27FC236}">
+                <a16:creationId xmlns:a16="http://schemas.microsoft.com/office/drawing/2014/main" id="{48EBF0DC-E4D3-4148-AC6C-73DCD3FAA8DA}"/>
+              </a:ext>
+            </a:extLst>
+          </p:cNvPr>
+          <p:cNvSpPr/>
+          <p:nvPr/>
+        </p:nvSpPr>
+        <p:spPr>
+          <a:xfrm rot="5400000">
+            <a:off x="3697811" y="4700886"/>
+            <a:ext cx="1490307" cy="742352"/>
+          </a:xfrm>
+          <a:prstGeom prst="can">
+            <a:avLst>
+              <a:gd name="adj" fmla="val 50000"/>
+            </a:avLst>
+          </a:prstGeom>
+          <a:solidFill>
+            <a:srgbClr val="A5A5A5"/>
+          </a:solidFill>
+          <a:ln w="12700" cap="flat" cmpd="sng" algn="ctr">
+            <a:solidFill>
+              <a:srgbClr val="A5A5A5">
+                <a:shade val="50000"/>
+              </a:srgbClr>
+            </a:solidFill>
+            <a:prstDash val="solid"/>
+            <a:miter lim="800000"/>
+          </a:ln>
+          <a:effectLst/>
+        </p:spPr>
+        <p:txBody>
+          <a:bodyPr rtlCol="0" anchor="ctr"/>
+          <a:lstStyle/>
+          <a:p>
+            <a:pPr marL="0" marR="0" lvl="0" indent="0" algn="ctr" defTabSz="914400" eaLnBrk="1" fontAlgn="auto" latinLnBrk="0" hangingPunct="1">
+              <a:lnSpc>
+                <a:spcPct val="100000"/>
+              </a:lnSpc>
+              <a:spcBef>
+                <a:spcPts val="0"/>
+              </a:spcBef>
+              <a:spcAft>
+                <a:spcPts val="0"/>
+              </a:spcAft>
+              <a:buClrTx/>
+              <a:buSzTx/>
+              <a:buFontTx/>
+              <a:buNone/>
+              <a:tabLst/>
+              <a:defRPr/>
+            </a:pPr>
+            <a:endParaRPr kumimoji="0" lang="en-US" sz="1800" b="0" i="0" u="none" strike="noStrike" kern="0" cap="none" spc="0" normalizeH="0" baseline="0" noProof="0">
+              <a:ln>
+                <a:noFill/>
+              </a:ln>
+              <a:solidFill>
+                <a:prstClr val="white"/>
+              </a:solidFill>
+              <a:effectLst/>
+              <a:uLnTx/>
+              <a:uFillTx/>
+              <a:latin typeface="Calibri" panose="020F0502020204030204"/>
+              <a:ea typeface="+mn-ea"/>
+              <a:cs typeface="+mn-cs"/>
+            </a:endParaRPr>
+          </a:p>
+        </p:txBody>
+      </p:sp>
+      <p:sp>
+        <p:nvSpPr>
+          <p:cNvPr id="28" name="Can 4">
+            <a:extLst>
+              <a:ext uri="{FF2B5EF4-FFF2-40B4-BE49-F238E27FC236}">
+                <a16:creationId xmlns:a16="http://schemas.microsoft.com/office/drawing/2014/main" id="{AFF34FDD-6E54-4A51-9175-AE68F4DC295B}"/>
+              </a:ext>
+            </a:extLst>
+          </p:cNvPr>
+          <p:cNvSpPr/>
+          <p:nvPr/>
+        </p:nvSpPr>
+        <p:spPr>
+          <a:xfrm rot="5400000">
+            <a:off x="5033539" y="4511096"/>
+            <a:ext cx="321345" cy="1121933"/>
+          </a:xfrm>
+          <a:prstGeom prst="can">
+            <a:avLst>
+              <a:gd name="adj" fmla="val 26842"/>
+            </a:avLst>
+          </a:prstGeom>
+          <a:solidFill>
+            <a:srgbClr val="A5A5A5"/>
+          </a:solidFill>
+          <a:ln w="12700" cap="flat" cmpd="sng" algn="ctr">
+            <a:solidFill>
+              <a:srgbClr val="A5A5A5">
+                <a:shade val="50000"/>
+              </a:srgbClr>
+            </a:solidFill>
+            <a:prstDash val="solid"/>
+            <a:miter lim="800000"/>
+          </a:ln>
+          <a:effectLst/>
+        </p:spPr>
+        <p:txBody>
+          <a:bodyPr rtlCol="0" anchor="ctr"/>
+          <a:lstStyle/>
+          <a:p>
+            <a:pPr marL="0" marR="0" lvl="0" indent="0" algn="ctr" defTabSz="914400" eaLnBrk="1" fontAlgn="auto" latinLnBrk="0" hangingPunct="1">
+              <a:lnSpc>
+                <a:spcPct val="100000"/>
+              </a:lnSpc>
+              <a:spcBef>
+                <a:spcPts val="0"/>
+              </a:spcBef>
+              <a:spcAft>
+                <a:spcPts val="0"/>
+              </a:spcAft>
+              <a:buClrTx/>
+              <a:buSzTx/>
+              <a:buFontTx/>
+              <a:buNone/>
+              <a:tabLst/>
+              <a:defRPr/>
+            </a:pPr>
+            <a:endParaRPr kumimoji="0" lang="en-US" sz="1800" b="0" i="0" u="none" strike="noStrike" kern="0" cap="none" spc="0" normalizeH="0" baseline="0" noProof="0">
+              <a:ln>
+                <a:noFill/>
+              </a:ln>
+              <a:solidFill>
+                <a:prstClr val="white"/>
+              </a:solidFill>
+              <a:effectLst/>
+              <a:uLnTx/>
+              <a:uFillTx/>
+              <a:latin typeface="Calibri" panose="020F0502020204030204"/>
+              <a:ea typeface="+mn-ea"/>
+              <a:cs typeface="+mn-cs"/>
+            </a:endParaRPr>
+          </a:p>
+        </p:txBody>
+      </p:sp>
+      <p:sp>
+        <p:nvSpPr>
+          <p:cNvPr id="8" name="Can 1">
+            <a:extLst>
+              <a:ext uri="{FF2B5EF4-FFF2-40B4-BE49-F238E27FC236}">
+                <a16:creationId xmlns:a16="http://schemas.microsoft.com/office/drawing/2014/main" id="{3A211B97-39A4-4F60-868A-1A26E0CABD6A}"/>
+              </a:ext>
+            </a:extLst>
+          </p:cNvPr>
+          <p:cNvSpPr/>
+          <p:nvPr/>
+        </p:nvSpPr>
+        <p:spPr>
+          <a:xfrm rot="5400000">
+            <a:off x="5200305" y="4700886"/>
+            <a:ext cx="1490307" cy="742352"/>
+          </a:xfrm>
+          <a:prstGeom prst="can">
+            <a:avLst>
+              <a:gd name="adj" fmla="val 50000"/>
+            </a:avLst>
+          </a:prstGeom>
+          <a:solidFill>
+            <a:srgbClr val="A5A5A5"/>
+          </a:solidFill>
+          <a:ln w="12700" cap="flat" cmpd="sng" algn="ctr">
+            <a:solidFill>
+              <a:srgbClr val="A5A5A5">
+                <a:shade val="50000"/>
+              </a:srgbClr>
+            </a:solidFill>
+            <a:prstDash val="solid"/>
+            <a:miter lim="800000"/>
+          </a:ln>
+          <a:effectLst/>
+        </p:spPr>
+        <p:txBody>
+          <a:bodyPr rtlCol="0" anchor="ctr"/>
+          <a:lstStyle/>
+          <a:p>
+            <a:pPr marL="0" marR="0" lvl="0" indent="0" algn="ctr" defTabSz="914400" eaLnBrk="1" fontAlgn="auto" latinLnBrk="0" hangingPunct="1">
+              <a:lnSpc>
+                <a:spcPct val="100000"/>
+              </a:lnSpc>
+              <a:spcBef>
+                <a:spcPts val="0"/>
+              </a:spcBef>
+              <a:spcAft>
+                <a:spcPts val="0"/>
+              </a:spcAft>
+              <a:buClrTx/>
+              <a:buSzTx/>
+              <a:buFontTx/>
+              <a:buNone/>
+              <a:tabLst/>
+              <a:defRPr/>
+            </a:pPr>
+            <a:endParaRPr kumimoji="0" lang="en-US" sz="1800" b="0" i="0" u="none" strike="noStrike" kern="0" cap="none" spc="0" normalizeH="0" baseline="0" noProof="0">
+              <a:ln>
+                <a:noFill/>
+              </a:ln>
+              <a:solidFill>
+                <a:prstClr val="white"/>
+              </a:solidFill>
+              <a:effectLst/>
+              <a:uLnTx/>
+              <a:uFillTx/>
+              <a:latin typeface="Calibri" panose="020F0502020204030204"/>
+              <a:ea typeface="+mn-ea"/>
+              <a:cs typeface="+mn-cs"/>
+            </a:endParaRPr>
+          </a:p>
+        </p:txBody>
+      </p:sp>
+      <p:sp>
+        <p:nvSpPr>
+          <p:cNvPr id="9" name="Can 4">
+            <a:extLst>
+              <a:ext uri="{FF2B5EF4-FFF2-40B4-BE49-F238E27FC236}">
+                <a16:creationId xmlns:a16="http://schemas.microsoft.com/office/drawing/2014/main" id="{46D276F7-45FE-4D3B-A262-141323C81AA4}"/>
+              </a:ext>
+            </a:extLst>
+          </p:cNvPr>
+          <p:cNvSpPr/>
+          <p:nvPr/>
+        </p:nvSpPr>
+        <p:spPr>
+          <a:xfrm rot="5400000">
+            <a:off x="6524869" y="4511096"/>
+            <a:ext cx="321345" cy="1121933"/>
+          </a:xfrm>
+          <a:prstGeom prst="can">
+            <a:avLst>
+              <a:gd name="adj" fmla="val 26842"/>
+            </a:avLst>
+          </a:prstGeom>
+          <a:solidFill>
+            <a:srgbClr val="A5A5A5"/>
+          </a:solidFill>
+          <a:ln w="12700" cap="flat" cmpd="sng" algn="ctr">
+            <a:solidFill>
+              <a:srgbClr val="A5A5A5">
+                <a:shade val="50000"/>
+              </a:srgbClr>
+            </a:solidFill>
+            <a:prstDash val="solid"/>
+            <a:miter lim="800000"/>
+          </a:ln>
+          <a:effectLst/>
+        </p:spPr>
+        <p:txBody>
+          <a:bodyPr rtlCol="0" anchor="ctr"/>
+          <a:lstStyle/>
+          <a:p>
+            <a:pPr marL="0" marR="0" lvl="0" indent="0" algn="ctr" defTabSz="914400" eaLnBrk="1" fontAlgn="auto" latinLnBrk="0" hangingPunct="1">
+              <a:lnSpc>
+                <a:spcPct val="100000"/>
+              </a:lnSpc>
+              <a:spcBef>
+                <a:spcPts val="0"/>
+              </a:spcBef>
+              <a:spcAft>
+                <a:spcPts val="0"/>
+              </a:spcAft>
+              <a:buClrTx/>
+              <a:buSzTx/>
+              <a:buFontTx/>
+              <a:buNone/>
+              <a:tabLst/>
+              <a:defRPr/>
+            </a:pPr>
+            <a:endParaRPr kumimoji="0" lang="en-US" sz="1800" b="0" i="0" u="none" strike="noStrike" kern="0" cap="none" spc="0" normalizeH="0" baseline="0" noProof="0">
+              <a:ln>
+                <a:noFill/>
+              </a:ln>
+              <a:solidFill>
+                <a:prstClr val="white"/>
+              </a:solidFill>
+              <a:effectLst/>
+              <a:uLnTx/>
+              <a:uFillTx/>
+              <a:latin typeface="Calibri" panose="020F0502020204030204"/>
+              <a:ea typeface="+mn-ea"/>
+              <a:cs typeface="+mn-cs"/>
+            </a:endParaRPr>
+          </a:p>
+        </p:txBody>
+      </p:sp>
+      <p:sp>
+        <p:nvSpPr>
+          <p:cNvPr id="10" name="Can 1">
+            <a:extLst>
+              <a:ext uri="{FF2B5EF4-FFF2-40B4-BE49-F238E27FC236}">
+                <a16:creationId xmlns:a16="http://schemas.microsoft.com/office/drawing/2014/main" id="{F4725C60-BFB4-40E6-832A-19CDE58BF2A3}"/>
+              </a:ext>
+            </a:extLst>
+          </p:cNvPr>
+          <p:cNvSpPr/>
+          <p:nvPr/>
+        </p:nvSpPr>
+        <p:spPr>
+          <a:xfrm rot="5400000">
+            <a:off x="6702799" y="4700886"/>
+            <a:ext cx="1490307" cy="742352"/>
+          </a:xfrm>
+          <a:prstGeom prst="can">
+            <a:avLst>
+              <a:gd name="adj" fmla="val 50000"/>
+            </a:avLst>
+          </a:prstGeom>
+          <a:solidFill>
+            <a:srgbClr val="A5A5A5"/>
+          </a:solidFill>
+          <a:ln w="12700" cap="flat" cmpd="sng" algn="ctr">
+            <a:solidFill>
+              <a:srgbClr val="A5A5A5">
+                <a:shade val="50000"/>
+              </a:srgbClr>
+            </a:solidFill>
+            <a:prstDash val="solid"/>
+            <a:miter lim="800000"/>
+          </a:ln>
+          <a:effectLst/>
+        </p:spPr>
+        <p:txBody>
+          <a:bodyPr rtlCol="0" anchor="ctr"/>
+          <a:lstStyle/>
+          <a:p>
+            <a:pPr marL="0" marR="0" lvl="0" indent="0" algn="ctr" defTabSz="914400" eaLnBrk="1" fontAlgn="auto" latinLnBrk="0" hangingPunct="1">
+              <a:lnSpc>
+                <a:spcPct val="100000"/>
+              </a:lnSpc>
+              <a:spcBef>
+                <a:spcPts val="0"/>
+              </a:spcBef>
+              <a:spcAft>
+                <a:spcPts val="0"/>
+              </a:spcAft>
+              <a:buClrTx/>
+              <a:buSzTx/>
+              <a:buFontTx/>
+              <a:buNone/>
+              <a:tabLst/>
+              <a:defRPr/>
+            </a:pPr>
+            <a:endParaRPr kumimoji="0" lang="en-US" sz="1800" b="0" i="0" u="none" strike="noStrike" kern="0" cap="none" spc="0" normalizeH="0" baseline="0" noProof="0">
+              <a:ln>
+                <a:noFill/>
+              </a:ln>
+              <a:solidFill>
+                <a:prstClr val="white"/>
+              </a:solidFill>
+              <a:effectLst/>
+              <a:uLnTx/>
+              <a:uFillTx/>
+              <a:latin typeface="Calibri" panose="020F0502020204030204"/>
+              <a:ea typeface="+mn-ea"/>
+              <a:cs typeface="+mn-cs"/>
+            </a:endParaRPr>
+          </a:p>
+        </p:txBody>
+      </p:sp>
+      <p:cxnSp>
+        <p:nvCxnSpPr>
+          <p:cNvPr id="31" name="Straight Connector 30">
+            <a:extLst>
+              <a:ext uri="{FF2B5EF4-FFF2-40B4-BE49-F238E27FC236}">
+                <a16:creationId xmlns:a16="http://schemas.microsoft.com/office/drawing/2014/main" id="{4B4342B6-1C69-4F2A-9476-091A1519C15B}"/>
+              </a:ext>
+            </a:extLst>
+          </p:cNvPr>
+          <p:cNvCxnSpPr>
+            <a:cxnSpLocks/>
+          </p:cNvCxnSpPr>
+          <p:nvPr/>
+        </p:nvCxnSpPr>
+        <p:spPr>
+          <a:xfrm flipH="1">
+            <a:off x="2940470" y="5903961"/>
+            <a:ext cx="0" cy="388798"/>
+          </a:xfrm>
+          <a:prstGeom prst="line">
+            <a:avLst/>
+          </a:prstGeom>
+          <a:noFill/>
+          <a:ln w="6350" cap="flat" cmpd="sng" algn="ctr">
+            <a:solidFill>
+              <a:srgbClr val="5B9BD5"/>
+            </a:solidFill>
+            <a:prstDash val="solid"/>
+            <a:miter lim="800000"/>
+          </a:ln>
+          <a:effectLst/>
+        </p:spPr>
+      </p:cxnSp>
+      <p:cxnSp>
+        <p:nvCxnSpPr>
+          <p:cNvPr id="32" name="Straight Connector 31">
+            <a:extLst>
+              <a:ext uri="{FF2B5EF4-FFF2-40B4-BE49-F238E27FC236}">
+                <a16:creationId xmlns:a16="http://schemas.microsoft.com/office/drawing/2014/main" id="{DE5FCEC6-3F2B-440D-88C2-09A4326672B9}"/>
+              </a:ext>
+            </a:extLst>
+          </p:cNvPr>
+          <p:cNvCxnSpPr>
+            <a:cxnSpLocks/>
+          </p:cNvCxnSpPr>
+          <p:nvPr/>
+        </p:nvCxnSpPr>
+        <p:spPr>
+          <a:xfrm flipH="1">
+            <a:off x="4442964" y="5903961"/>
+            <a:ext cx="0" cy="388798"/>
+          </a:xfrm>
+          <a:prstGeom prst="line">
+            <a:avLst/>
+          </a:prstGeom>
+          <a:noFill/>
+          <a:ln w="6350" cap="flat" cmpd="sng" algn="ctr">
+            <a:solidFill>
+              <a:srgbClr val="5B9BD5"/>
+            </a:solidFill>
+            <a:prstDash val="solid"/>
+            <a:miter lim="800000"/>
+          </a:ln>
+          <a:effectLst/>
+        </p:spPr>
+      </p:cxnSp>
+      <p:cxnSp>
+        <p:nvCxnSpPr>
+          <p:cNvPr id="33" name="Straight Connector 32">
+            <a:extLst>
+              <a:ext uri="{FF2B5EF4-FFF2-40B4-BE49-F238E27FC236}">
+                <a16:creationId xmlns:a16="http://schemas.microsoft.com/office/drawing/2014/main" id="{58A7AD4C-F5FC-4F3F-952D-2AEF266E749D}"/>
+              </a:ext>
+            </a:extLst>
+          </p:cNvPr>
+          <p:cNvCxnSpPr>
+            <a:cxnSpLocks/>
+          </p:cNvCxnSpPr>
+          <p:nvPr/>
+        </p:nvCxnSpPr>
+        <p:spPr>
+          <a:xfrm flipH="1">
+            <a:off x="5945458" y="5903961"/>
+            <a:ext cx="0" cy="388798"/>
+          </a:xfrm>
+          <a:prstGeom prst="line">
+            <a:avLst/>
+          </a:prstGeom>
+          <a:noFill/>
+          <a:ln w="6350" cap="flat" cmpd="sng" algn="ctr">
+            <a:solidFill>
+              <a:srgbClr val="5B9BD5"/>
+            </a:solidFill>
+            <a:prstDash val="solid"/>
+            <a:miter lim="800000"/>
+          </a:ln>
+          <a:effectLst/>
+        </p:spPr>
+      </p:cxnSp>
+      <p:cxnSp>
+        <p:nvCxnSpPr>
+          <p:cNvPr id="34" name="Straight Connector 33">
+            <a:extLst>
+              <a:ext uri="{FF2B5EF4-FFF2-40B4-BE49-F238E27FC236}">
+                <a16:creationId xmlns:a16="http://schemas.microsoft.com/office/drawing/2014/main" id="{CDF2D585-2551-4ADB-8E02-8B5389E2BA9E}"/>
+              </a:ext>
+            </a:extLst>
+          </p:cNvPr>
+          <p:cNvCxnSpPr>
+            <a:cxnSpLocks/>
+          </p:cNvCxnSpPr>
+          <p:nvPr/>
+        </p:nvCxnSpPr>
+        <p:spPr>
+          <a:xfrm flipH="1">
+            <a:off x="7447952" y="5903961"/>
+            <a:ext cx="0" cy="388798"/>
+          </a:xfrm>
+          <a:prstGeom prst="line">
+            <a:avLst/>
+          </a:prstGeom>
+          <a:noFill/>
+          <a:ln w="6350" cap="flat" cmpd="sng" algn="ctr">
+            <a:solidFill>
+              <a:srgbClr val="5B9BD5"/>
+            </a:solidFill>
+            <a:prstDash val="solid"/>
+            <a:miter lim="800000"/>
+          </a:ln>
+          <a:effectLst/>
+        </p:spPr>
+      </p:cxnSp>
+      <p:sp>
+        <p:nvSpPr>
+          <p:cNvPr id="37" name="TextBox 36">
+            <a:extLst>
+              <a:ext uri="{FF2B5EF4-FFF2-40B4-BE49-F238E27FC236}">
+                <a16:creationId xmlns:a16="http://schemas.microsoft.com/office/drawing/2014/main" id="{04A737F8-E18B-41D8-BA9E-5FE3FE3E61A8}"/>
+              </a:ext>
+            </a:extLst>
+          </p:cNvPr>
+          <p:cNvSpPr txBox="1"/>
+          <p:nvPr/>
+        </p:nvSpPr>
+        <p:spPr>
+          <a:xfrm>
+            <a:off x="3346381" y="5925787"/>
+            <a:ext cx="664292" cy="369332"/>
+          </a:xfrm>
+          <a:prstGeom prst="rect">
+            <a:avLst/>
+          </a:prstGeom>
+          <a:solidFill>
+            <a:sysClr val="window" lastClr="FFFFFF"/>
+          </a:solidFill>
+        </p:spPr>
+        <p:txBody>
+          <a:bodyPr wrap="square" rtlCol="0">
+            <a:spAutoFit/>
+          </a:bodyPr>
+          <a:lstStyle/>
+          <a:p>
+            <a:pPr marL="0" marR="0" lvl="0" indent="0" algn="ctr" defTabSz="914400" eaLnBrk="1" fontAlgn="auto" latinLnBrk="0" hangingPunct="1">
+              <a:lnSpc>
+                <a:spcPct val="100000"/>
+              </a:lnSpc>
+              <a:spcBef>
+                <a:spcPts val="0"/>
+              </a:spcBef>
+              <a:spcAft>
+                <a:spcPts val="0"/>
+              </a:spcAft>
+              <a:buClrTx/>
+              <a:buSzTx/>
+              <a:buFontTx/>
+              <a:buNone/>
+              <a:tabLst/>
+              <a:defRPr/>
+            </a:pPr>
+            <a:r>
+              <a:rPr lang="en-US" kern="0" dirty="0">
+                <a:solidFill>
+                  <a:srgbClr val="5B9BD5"/>
+                </a:solidFill>
+              </a:rPr>
+              <a:t>2 ft</a:t>
+            </a:r>
+            <a:endParaRPr kumimoji="0" lang="en-US" sz="1800" b="0" i="0" u="none" strike="noStrike" kern="0" cap="none" spc="0" normalizeH="0" baseline="0" noProof="0" dirty="0">
+              <a:ln>
+                <a:noFill/>
+              </a:ln>
+              <a:solidFill>
+                <a:srgbClr val="5B9BD5"/>
+              </a:solidFill>
+              <a:effectLst/>
+              <a:uLnTx/>
+              <a:uFillTx/>
+            </a:endParaRPr>
+          </a:p>
+        </p:txBody>
+      </p:sp>
+      <p:sp>
+        <p:nvSpPr>
+          <p:cNvPr id="38" name="TextBox 37">
+            <a:extLst>
+              <a:ext uri="{FF2B5EF4-FFF2-40B4-BE49-F238E27FC236}">
+                <a16:creationId xmlns:a16="http://schemas.microsoft.com/office/drawing/2014/main" id="{19955C71-48D9-417F-B479-F8EC6C0990D8}"/>
+              </a:ext>
+            </a:extLst>
+          </p:cNvPr>
+          <p:cNvSpPr txBox="1"/>
+          <p:nvPr/>
+        </p:nvSpPr>
+        <p:spPr>
+          <a:xfrm>
+            <a:off x="4875256" y="5925787"/>
+            <a:ext cx="664292" cy="369332"/>
+          </a:xfrm>
+          <a:prstGeom prst="rect">
+            <a:avLst/>
+          </a:prstGeom>
+          <a:solidFill>
+            <a:sysClr val="window" lastClr="FFFFFF"/>
+          </a:solidFill>
+        </p:spPr>
+        <p:txBody>
+          <a:bodyPr wrap="square" rtlCol="0">
+            <a:spAutoFit/>
+          </a:bodyPr>
+          <a:lstStyle/>
+          <a:p>
+            <a:pPr marL="0" marR="0" lvl="0" indent="0" algn="ctr" defTabSz="914400" eaLnBrk="1" fontAlgn="auto" latinLnBrk="0" hangingPunct="1">
+              <a:lnSpc>
+                <a:spcPct val="100000"/>
+              </a:lnSpc>
+              <a:spcBef>
+                <a:spcPts val="0"/>
+              </a:spcBef>
+              <a:spcAft>
+                <a:spcPts val="0"/>
+              </a:spcAft>
+              <a:buClrTx/>
+              <a:buSzTx/>
+              <a:buFontTx/>
+              <a:buNone/>
+              <a:tabLst/>
+              <a:defRPr/>
+            </a:pPr>
+            <a:r>
+              <a:rPr lang="en-US" kern="0" dirty="0">
+                <a:solidFill>
+                  <a:srgbClr val="5B9BD5"/>
+                </a:solidFill>
+              </a:rPr>
+              <a:t>2 ft</a:t>
+            </a:r>
+            <a:endParaRPr kumimoji="0" lang="en-US" sz="1800" b="0" i="0" u="none" strike="noStrike" kern="0" cap="none" spc="0" normalizeH="0" baseline="0" noProof="0" dirty="0">
+              <a:ln>
+                <a:noFill/>
+              </a:ln>
+              <a:solidFill>
+                <a:srgbClr val="5B9BD5"/>
+              </a:solidFill>
+              <a:effectLst/>
+              <a:uLnTx/>
+              <a:uFillTx/>
+            </a:endParaRPr>
+          </a:p>
+        </p:txBody>
+      </p:sp>
+      <p:sp>
+        <p:nvSpPr>
+          <p:cNvPr id="39" name="TextBox 38">
+            <a:extLst>
+              <a:ext uri="{FF2B5EF4-FFF2-40B4-BE49-F238E27FC236}">
+                <a16:creationId xmlns:a16="http://schemas.microsoft.com/office/drawing/2014/main" id="{21A312E7-8A73-46BC-8CCD-F0A58CBFA6C1}"/>
+              </a:ext>
+            </a:extLst>
+          </p:cNvPr>
+          <p:cNvSpPr txBox="1"/>
+          <p:nvPr/>
+        </p:nvSpPr>
+        <p:spPr>
+          <a:xfrm>
+            <a:off x="6383519" y="5925787"/>
+            <a:ext cx="664292" cy="369332"/>
+          </a:xfrm>
+          <a:prstGeom prst="rect">
+            <a:avLst/>
+          </a:prstGeom>
+          <a:solidFill>
+            <a:sysClr val="window" lastClr="FFFFFF"/>
+          </a:solidFill>
+        </p:spPr>
+        <p:txBody>
+          <a:bodyPr wrap="square" rtlCol="0">
+            <a:spAutoFit/>
+          </a:bodyPr>
+          <a:lstStyle/>
+          <a:p>
+            <a:pPr marL="0" marR="0" lvl="0" indent="0" algn="ctr" defTabSz="914400" eaLnBrk="1" fontAlgn="auto" latinLnBrk="0" hangingPunct="1">
+              <a:lnSpc>
+                <a:spcPct val="100000"/>
+              </a:lnSpc>
+              <a:spcBef>
+                <a:spcPts val="0"/>
+              </a:spcBef>
+              <a:spcAft>
+                <a:spcPts val="0"/>
+              </a:spcAft>
+              <a:buClrTx/>
+              <a:buSzTx/>
+              <a:buFontTx/>
+              <a:buNone/>
+              <a:tabLst/>
+              <a:defRPr/>
+            </a:pPr>
+            <a:r>
+              <a:rPr lang="en-US" kern="0" dirty="0">
+                <a:solidFill>
+                  <a:srgbClr val="5B9BD5"/>
+                </a:solidFill>
+              </a:rPr>
+              <a:t>2 ft</a:t>
+            </a:r>
+            <a:endParaRPr kumimoji="0" lang="en-US" sz="1800" b="0" i="0" u="none" strike="noStrike" kern="0" cap="none" spc="0" normalizeH="0" baseline="0" noProof="0" dirty="0">
+              <a:ln>
+                <a:noFill/>
+              </a:ln>
+              <a:solidFill>
+                <a:srgbClr val="5B9BD5"/>
+              </a:solidFill>
+              <a:effectLst/>
+              <a:uLnTx/>
+              <a:uFillTx/>
+            </a:endParaRPr>
+          </a:p>
+        </p:txBody>
+      </p:sp>
+      <p:sp>
+        <p:nvSpPr>
+          <p:cNvPr id="40" name="TextBox 39">
+            <a:extLst>
+              <a:ext uri="{FF2B5EF4-FFF2-40B4-BE49-F238E27FC236}">
+                <a16:creationId xmlns:a16="http://schemas.microsoft.com/office/drawing/2014/main" id="{CFBCD443-2342-4AE4-9C64-550848C735CA}"/>
+              </a:ext>
+            </a:extLst>
+          </p:cNvPr>
+          <p:cNvSpPr txBox="1"/>
+          <p:nvPr/>
+        </p:nvSpPr>
+        <p:spPr>
+          <a:xfrm>
+            <a:off x="5822270" y="3291959"/>
+            <a:ext cx="327334" cy="369332"/>
+          </a:xfrm>
+          <a:prstGeom prst="rect">
+            <a:avLst/>
+          </a:prstGeom>
+          <a:noFill/>
+        </p:spPr>
+        <p:txBody>
+          <a:bodyPr wrap="none" rtlCol="0">
+            <a:spAutoFit/>
+          </a:bodyPr>
+          <a:lstStyle/>
+          <a:p>
+            <a:pPr marL="0" marR="0" lvl="0" indent="0" defTabSz="914400" eaLnBrk="1" fontAlgn="auto" latinLnBrk="0" hangingPunct="1">
+              <a:lnSpc>
+                <a:spcPct val="100000"/>
+              </a:lnSpc>
+              <a:spcBef>
+                <a:spcPts val="0"/>
+              </a:spcBef>
+              <a:spcAft>
+                <a:spcPts val="0"/>
+              </a:spcAft>
+              <a:buClrTx/>
+              <a:buSzTx/>
+              <a:buFontTx/>
+              <a:buNone/>
+              <a:tabLst/>
+              <a:defRPr/>
+            </a:pPr>
+            <a:r>
+              <a:rPr lang="en-US" kern="0" dirty="0">
+                <a:solidFill>
+                  <a:prstClr val="black"/>
+                </a:solidFill>
+              </a:rPr>
+              <a:t>D</a:t>
+            </a:r>
+            <a:endParaRPr kumimoji="0" lang="en-US" sz="1800" b="0" i="0" u="none" strike="noStrike" kern="0" cap="none" spc="0" normalizeH="0" baseline="0" noProof="0" dirty="0">
+              <a:ln>
+                <a:noFill/>
+              </a:ln>
+              <a:solidFill>
+                <a:prstClr val="black"/>
+              </a:solidFill>
+              <a:effectLst/>
+              <a:uLnTx/>
+              <a:uFillTx/>
+            </a:endParaRPr>
+          </a:p>
+        </p:txBody>
+      </p:sp>
+      <p:sp>
+        <p:nvSpPr>
+          <p:cNvPr id="41" name="TextBox 40">
+            <a:extLst>
+              <a:ext uri="{FF2B5EF4-FFF2-40B4-BE49-F238E27FC236}">
+                <a16:creationId xmlns:a16="http://schemas.microsoft.com/office/drawing/2014/main" id="{73F21879-D489-4159-ADAF-51D03BC70B04}"/>
+              </a:ext>
+            </a:extLst>
+          </p:cNvPr>
+          <p:cNvSpPr txBox="1"/>
+          <p:nvPr/>
+        </p:nvSpPr>
+        <p:spPr>
+          <a:xfrm>
+            <a:off x="7326057" y="3291959"/>
+            <a:ext cx="296876" cy="369332"/>
+          </a:xfrm>
+          <a:prstGeom prst="rect">
+            <a:avLst/>
+          </a:prstGeom>
+          <a:noFill/>
+        </p:spPr>
+        <p:txBody>
+          <a:bodyPr wrap="none" rtlCol="0">
+            <a:spAutoFit/>
+          </a:bodyPr>
+          <a:lstStyle/>
+          <a:p>
+            <a:pPr marL="0" marR="0" lvl="0" indent="0" defTabSz="914400" eaLnBrk="1" fontAlgn="auto" latinLnBrk="0" hangingPunct="1">
+              <a:lnSpc>
+                <a:spcPct val="100000"/>
+              </a:lnSpc>
+              <a:spcBef>
+                <a:spcPts val="0"/>
+              </a:spcBef>
+              <a:spcAft>
+                <a:spcPts val="0"/>
+              </a:spcAft>
+              <a:buClrTx/>
+              <a:buSzTx/>
+              <a:buFontTx/>
+              <a:buNone/>
+              <a:tabLst/>
+              <a:defRPr/>
+            </a:pPr>
+            <a:r>
+              <a:rPr kumimoji="0" lang="en-US" sz="1800" b="0" i="0" u="none" strike="noStrike" kern="0" cap="none" spc="0" normalizeH="0" baseline="0" noProof="0" dirty="0">
+                <a:ln>
+                  <a:noFill/>
+                </a:ln>
+                <a:solidFill>
+                  <a:prstClr val="black"/>
+                </a:solidFill>
+                <a:effectLst/>
+                <a:uLnTx/>
+                <a:uFillTx/>
+              </a:rPr>
+              <a:t>E</a:t>
+            </a:r>
+          </a:p>
+        </p:txBody>
+      </p:sp>
+      <p:sp>
+        <p:nvSpPr>
+          <p:cNvPr id="14" name="Arc 13">
+            <a:extLst>
+              <a:ext uri="{FF2B5EF4-FFF2-40B4-BE49-F238E27FC236}">
+                <a16:creationId xmlns:a16="http://schemas.microsoft.com/office/drawing/2014/main" id="{9B9AF434-A7D7-4484-86AD-35341BFAC866}"/>
+              </a:ext>
+            </a:extLst>
+          </p:cNvPr>
+          <p:cNvSpPr/>
+          <p:nvPr/>
+        </p:nvSpPr>
+        <p:spPr>
+          <a:xfrm>
+            <a:off x="2686050" y="4076700"/>
+            <a:ext cx="553588" cy="1939387"/>
+          </a:xfrm>
+          <a:prstGeom prst="arc">
+            <a:avLst>
+              <a:gd name="adj1" fmla="val 4712142"/>
+              <a:gd name="adj2" fmla="val 16887343"/>
+            </a:avLst>
+          </a:prstGeom>
+          <a:noFill/>
+          <a:ln w="38100" cap="flat" cmpd="sng" algn="ctr">
+            <a:solidFill>
+              <a:srgbClr val="7030A0"/>
+            </a:solidFill>
+            <a:prstDash val="solid"/>
+            <a:miter lim="800000"/>
+            <a:headEnd type="none" w="med" len="med"/>
+            <a:tailEnd type="arrow" w="med" len="med"/>
+          </a:ln>
+          <a:effectLst/>
+        </p:spPr>
+        <p:txBody>
+          <a:bodyPr rtlCol="0" anchor="ctr"/>
+          <a:lstStyle/>
+          <a:p>
+            <a:pPr marL="0" marR="0" lvl="0" indent="0" algn="ctr" defTabSz="914400" eaLnBrk="1" fontAlgn="auto" latinLnBrk="0" hangingPunct="1">
+              <a:lnSpc>
+                <a:spcPct val="100000"/>
+              </a:lnSpc>
+              <a:spcBef>
+                <a:spcPts val="0"/>
+              </a:spcBef>
+              <a:spcAft>
+                <a:spcPts val="0"/>
+              </a:spcAft>
+              <a:buClrTx/>
+              <a:buSzTx/>
+              <a:buFontTx/>
+              <a:buNone/>
+              <a:tabLst/>
+              <a:defRPr/>
+            </a:pPr>
+            <a:endParaRPr kumimoji="0" lang="en-US" sz="1800" b="0" i="0" u="none" strike="noStrike" kern="0" cap="none" spc="0" normalizeH="0" baseline="0" noProof="0">
+              <a:ln>
+                <a:noFill/>
+              </a:ln>
+              <a:solidFill>
+                <a:prstClr val="black"/>
+              </a:solidFill>
+              <a:effectLst/>
+              <a:uLnTx/>
+              <a:uFillTx/>
+              <a:latin typeface="Calibri" panose="020F0502020204030204"/>
+              <a:ea typeface="+mn-ea"/>
+              <a:cs typeface="+mn-cs"/>
+            </a:endParaRPr>
+          </a:p>
+        </p:txBody>
+      </p:sp>
+      <p:sp>
+        <p:nvSpPr>
+          <p:cNvPr id="42" name="Arc 41">
+            <a:extLst>
+              <a:ext uri="{FF2B5EF4-FFF2-40B4-BE49-F238E27FC236}">
+                <a16:creationId xmlns:a16="http://schemas.microsoft.com/office/drawing/2014/main" id="{7DB6572D-B755-4E8B-83CC-DF45B20CA1BA}"/>
+              </a:ext>
+            </a:extLst>
+          </p:cNvPr>
+          <p:cNvSpPr/>
+          <p:nvPr/>
+        </p:nvSpPr>
+        <p:spPr>
+          <a:xfrm>
+            <a:off x="4260453" y="4102368"/>
+            <a:ext cx="553588" cy="1939387"/>
+          </a:xfrm>
+          <a:prstGeom prst="arc">
+            <a:avLst>
+              <a:gd name="adj1" fmla="val 4712142"/>
+              <a:gd name="adj2" fmla="val 16887343"/>
+            </a:avLst>
+          </a:prstGeom>
+          <a:noFill/>
+          <a:ln w="38100" cap="flat" cmpd="sng" algn="ctr">
+            <a:solidFill>
+              <a:srgbClr val="7030A0"/>
+            </a:solidFill>
+            <a:prstDash val="solid"/>
+            <a:miter lim="800000"/>
+            <a:headEnd type="none" w="med" len="med"/>
+            <a:tailEnd type="arrow" w="med" len="med"/>
+          </a:ln>
+          <a:effectLst/>
+        </p:spPr>
+        <p:txBody>
+          <a:bodyPr rtlCol="0" anchor="ctr"/>
+          <a:lstStyle/>
+          <a:p>
+            <a:pPr marL="0" marR="0" lvl="0" indent="0" algn="ctr" defTabSz="914400" eaLnBrk="1" fontAlgn="auto" latinLnBrk="0" hangingPunct="1">
+              <a:lnSpc>
+                <a:spcPct val="100000"/>
+              </a:lnSpc>
+              <a:spcBef>
+                <a:spcPts val="0"/>
+              </a:spcBef>
+              <a:spcAft>
+                <a:spcPts val="0"/>
+              </a:spcAft>
+              <a:buClrTx/>
+              <a:buSzTx/>
+              <a:buFontTx/>
+              <a:buNone/>
+              <a:tabLst/>
+              <a:defRPr/>
+            </a:pPr>
+            <a:endParaRPr kumimoji="0" lang="en-US" sz="1800" b="0" i="0" u="none" strike="noStrike" kern="0" cap="none" spc="0" normalizeH="0" baseline="0" noProof="0">
+              <a:ln>
+                <a:noFill/>
+              </a:ln>
+              <a:solidFill>
+                <a:prstClr val="black"/>
+              </a:solidFill>
+              <a:effectLst/>
+              <a:uLnTx/>
+              <a:uFillTx/>
+              <a:latin typeface="Calibri" panose="020F0502020204030204"/>
+              <a:ea typeface="+mn-ea"/>
+              <a:cs typeface="+mn-cs"/>
+            </a:endParaRPr>
+          </a:p>
+        </p:txBody>
+      </p:sp>
+      <p:sp>
+        <p:nvSpPr>
+          <p:cNvPr id="43" name="Arc 42">
+            <a:extLst>
+              <a:ext uri="{FF2B5EF4-FFF2-40B4-BE49-F238E27FC236}">
+                <a16:creationId xmlns:a16="http://schemas.microsoft.com/office/drawing/2014/main" id="{CBA5811C-D4AD-4523-8650-7C3CEE0BF058}"/>
+              </a:ext>
+            </a:extLst>
+          </p:cNvPr>
+          <p:cNvSpPr/>
+          <p:nvPr/>
+        </p:nvSpPr>
+        <p:spPr>
+          <a:xfrm>
+            <a:off x="5724528" y="4086493"/>
+            <a:ext cx="553588" cy="1939387"/>
+          </a:xfrm>
+          <a:prstGeom prst="arc">
+            <a:avLst>
+              <a:gd name="adj1" fmla="val 4712142"/>
+              <a:gd name="adj2" fmla="val 16887343"/>
+            </a:avLst>
+          </a:prstGeom>
+          <a:noFill/>
+          <a:ln w="38100" cap="flat" cmpd="sng" algn="ctr">
+            <a:solidFill>
+              <a:srgbClr val="7030A0"/>
+            </a:solidFill>
+            <a:prstDash val="solid"/>
+            <a:miter lim="800000"/>
+            <a:headEnd type="none" w="med" len="med"/>
+            <a:tailEnd type="arrow" w="med" len="med"/>
+          </a:ln>
+          <a:effectLst/>
+        </p:spPr>
+        <p:txBody>
+          <a:bodyPr rtlCol="0" anchor="ctr"/>
+          <a:lstStyle/>
+          <a:p>
+            <a:pPr marL="0" marR="0" lvl="0" indent="0" algn="ctr" defTabSz="914400" eaLnBrk="1" fontAlgn="auto" latinLnBrk="0" hangingPunct="1">
+              <a:lnSpc>
+                <a:spcPct val="100000"/>
+              </a:lnSpc>
+              <a:spcBef>
+                <a:spcPts val="0"/>
+              </a:spcBef>
+              <a:spcAft>
+                <a:spcPts val="0"/>
+              </a:spcAft>
+              <a:buClrTx/>
+              <a:buSzTx/>
+              <a:buFontTx/>
+              <a:buNone/>
+              <a:tabLst/>
+              <a:defRPr/>
+            </a:pPr>
+            <a:endParaRPr kumimoji="0" lang="en-US" sz="1800" b="0" i="0" u="none" strike="noStrike" kern="0" cap="none" spc="0" normalizeH="0" baseline="0" noProof="0">
+              <a:ln>
+                <a:noFill/>
+              </a:ln>
+              <a:solidFill>
+                <a:prstClr val="black"/>
+              </a:solidFill>
+              <a:effectLst/>
+              <a:uLnTx/>
+              <a:uFillTx/>
+              <a:latin typeface="Calibri" panose="020F0502020204030204"/>
+              <a:ea typeface="+mn-ea"/>
+              <a:cs typeface="+mn-cs"/>
+            </a:endParaRPr>
+          </a:p>
+        </p:txBody>
+      </p:sp>
+      <p:sp>
+        <p:nvSpPr>
+          <p:cNvPr id="44" name="Arc 43">
+            <a:extLst>
+              <a:ext uri="{FF2B5EF4-FFF2-40B4-BE49-F238E27FC236}">
+                <a16:creationId xmlns:a16="http://schemas.microsoft.com/office/drawing/2014/main" id="{7C4A44B1-5F57-40FA-BD9F-8EFE55A7D7CF}"/>
+              </a:ext>
+            </a:extLst>
+          </p:cNvPr>
+          <p:cNvSpPr/>
+          <p:nvPr/>
+        </p:nvSpPr>
+        <p:spPr>
+          <a:xfrm flipV="1">
+            <a:off x="7219347" y="4095750"/>
+            <a:ext cx="553588" cy="1939387"/>
+          </a:xfrm>
+          <a:prstGeom prst="arc">
+            <a:avLst>
+              <a:gd name="adj1" fmla="val 4712142"/>
+              <a:gd name="adj2" fmla="val 16887343"/>
+            </a:avLst>
+          </a:prstGeom>
+          <a:noFill/>
+          <a:ln w="38100" cap="flat" cmpd="sng" algn="ctr">
+            <a:solidFill>
+              <a:srgbClr val="7030A0"/>
+            </a:solidFill>
+            <a:prstDash val="solid"/>
+            <a:miter lim="800000"/>
+            <a:headEnd type="none" w="med" len="med"/>
+            <a:tailEnd type="arrow" w="med" len="med"/>
+          </a:ln>
+          <a:effectLst/>
+        </p:spPr>
+        <p:txBody>
+          <a:bodyPr rtlCol="0" anchor="ctr"/>
+          <a:lstStyle/>
+          <a:p>
+            <a:pPr marL="0" marR="0" lvl="0" indent="0" algn="ctr" defTabSz="914400" eaLnBrk="1" fontAlgn="auto" latinLnBrk="0" hangingPunct="1">
+              <a:lnSpc>
+                <a:spcPct val="100000"/>
+              </a:lnSpc>
+              <a:spcBef>
+                <a:spcPts val="0"/>
+              </a:spcBef>
+              <a:spcAft>
+                <a:spcPts val="0"/>
+              </a:spcAft>
+              <a:buClrTx/>
+              <a:buSzTx/>
+              <a:buFontTx/>
+              <a:buNone/>
+              <a:tabLst/>
+              <a:defRPr/>
+            </a:pPr>
+            <a:endParaRPr kumimoji="0" lang="en-US" sz="1800" b="0" i="0" u="none" strike="noStrike" kern="0" cap="none" spc="0" normalizeH="0" baseline="0" noProof="0">
+              <a:ln>
+                <a:noFill/>
+              </a:ln>
+              <a:solidFill>
+                <a:prstClr val="black"/>
+              </a:solidFill>
+              <a:effectLst/>
+              <a:uLnTx/>
+              <a:uFillTx/>
+              <a:latin typeface="Calibri" panose="020F0502020204030204"/>
+              <a:ea typeface="+mn-ea"/>
+              <a:cs typeface="+mn-cs"/>
+            </a:endParaRPr>
+          </a:p>
+        </p:txBody>
+      </p:sp>
+      <p:sp>
+        <p:nvSpPr>
+          <p:cNvPr id="45" name="TextBox 44">
+            <a:extLst>
+              <a:ext uri="{FF2B5EF4-FFF2-40B4-BE49-F238E27FC236}">
+                <a16:creationId xmlns:a16="http://schemas.microsoft.com/office/drawing/2014/main" id="{E3A3458F-3F8A-4E32-A82B-0D8CA5F46B67}"/>
+              </a:ext>
+            </a:extLst>
+          </p:cNvPr>
+          <p:cNvSpPr txBox="1"/>
+          <p:nvPr/>
+        </p:nvSpPr>
+        <p:spPr>
+          <a:xfrm>
+            <a:off x="7012675" y="3688099"/>
+            <a:ext cx="966931" cy="369332"/>
+          </a:xfrm>
+          <a:prstGeom prst="rect">
+            <a:avLst/>
+          </a:prstGeom>
+          <a:noFill/>
+        </p:spPr>
+        <p:txBody>
+          <a:bodyPr wrap="none" rtlCol="0">
+            <a:spAutoFit/>
+          </a:bodyPr>
+          <a:lstStyle/>
+          <a:p>
+            <a:pPr lvl="0"/>
+            <a:r>
+              <a:rPr lang="en-US" b="1" kern="0" dirty="0">
+                <a:solidFill>
+                  <a:srgbClr val="7030A0"/>
+                </a:solidFill>
+              </a:rPr>
+              <a:t>40 ft-lbs</a:t>
+            </a:r>
+            <a:endParaRPr kumimoji="0" lang="en-US" sz="1800" b="1" i="0" u="none" strike="noStrike" kern="0" cap="none" spc="0" normalizeH="0" baseline="0" noProof="0" dirty="0">
+              <a:ln>
+                <a:noFill/>
+              </a:ln>
+              <a:solidFill>
+                <a:srgbClr val="7030A0"/>
+              </a:solidFill>
+              <a:effectLst/>
+              <a:uLnTx/>
+              <a:uFillTx/>
+            </a:endParaRPr>
+          </a:p>
+        </p:txBody>
+      </p:sp>
+      <p:sp>
+        <p:nvSpPr>
+          <p:cNvPr id="46" name="TextBox 45">
+            <a:extLst>
+              <a:ext uri="{FF2B5EF4-FFF2-40B4-BE49-F238E27FC236}">
+                <a16:creationId xmlns:a16="http://schemas.microsoft.com/office/drawing/2014/main" id="{E9DF1F81-D1F1-410A-BCD7-75790B5DB0D5}"/>
+              </a:ext>
+            </a:extLst>
+          </p:cNvPr>
+          <p:cNvSpPr txBox="1"/>
+          <p:nvPr/>
+        </p:nvSpPr>
+        <p:spPr>
+          <a:xfrm>
+            <a:off x="2520053" y="3688099"/>
+            <a:ext cx="966931" cy="369332"/>
+          </a:xfrm>
+          <a:prstGeom prst="rect">
+            <a:avLst/>
+          </a:prstGeom>
+          <a:noFill/>
+        </p:spPr>
+        <p:txBody>
+          <a:bodyPr wrap="none" rtlCol="0">
+            <a:spAutoFit/>
+          </a:bodyPr>
+          <a:lstStyle/>
+          <a:p>
+            <a:pPr lvl="0"/>
+            <a:r>
+              <a:rPr lang="en-US" b="1" kern="0" dirty="0">
+                <a:solidFill>
+                  <a:srgbClr val="7030A0"/>
+                </a:solidFill>
+              </a:rPr>
+              <a:t>15 ft-lbs</a:t>
+            </a:r>
+            <a:endParaRPr kumimoji="0" lang="en-US" sz="1800" b="1" i="0" u="none" strike="noStrike" kern="0" cap="none" spc="0" normalizeH="0" baseline="0" noProof="0" dirty="0">
+              <a:ln>
+                <a:noFill/>
+              </a:ln>
+              <a:solidFill>
+                <a:srgbClr val="7030A0"/>
+              </a:solidFill>
+              <a:effectLst/>
+              <a:uLnTx/>
+              <a:uFillTx/>
+            </a:endParaRPr>
+          </a:p>
+        </p:txBody>
+      </p:sp>
+      <p:sp>
+        <p:nvSpPr>
+          <p:cNvPr id="47" name="TextBox 46">
+            <a:extLst>
+              <a:ext uri="{FF2B5EF4-FFF2-40B4-BE49-F238E27FC236}">
+                <a16:creationId xmlns:a16="http://schemas.microsoft.com/office/drawing/2014/main" id="{B2613564-3155-42A1-AA38-0F0FAB0FC44C}"/>
+              </a:ext>
+            </a:extLst>
+          </p:cNvPr>
+          <p:cNvSpPr txBox="1"/>
+          <p:nvPr/>
+        </p:nvSpPr>
+        <p:spPr>
+          <a:xfrm>
+            <a:off x="4017594" y="3688099"/>
+            <a:ext cx="966931" cy="369332"/>
+          </a:xfrm>
+          <a:prstGeom prst="rect">
+            <a:avLst/>
+          </a:prstGeom>
+          <a:noFill/>
+        </p:spPr>
+        <p:txBody>
+          <a:bodyPr wrap="none" rtlCol="0">
+            <a:spAutoFit/>
+          </a:bodyPr>
+          <a:lstStyle/>
+          <a:p>
+            <a:pPr lvl="0"/>
+            <a:r>
+              <a:rPr lang="en-US" b="1" kern="0" dirty="0">
+                <a:solidFill>
+                  <a:srgbClr val="7030A0"/>
+                </a:solidFill>
+              </a:rPr>
+              <a:t>35 ft-lbs</a:t>
+            </a:r>
+            <a:endParaRPr kumimoji="0" lang="en-US" sz="1800" b="1" i="0" u="none" strike="noStrike" kern="0" cap="none" spc="0" normalizeH="0" baseline="0" noProof="0" dirty="0">
+              <a:ln>
+                <a:noFill/>
+              </a:ln>
+              <a:solidFill>
+                <a:srgbClr val="7030A0"/>
+              </a:solidFill>
+              <a:effectLst/>
+              <a:uLnTx/>
+              <a:uFillTx/>
+            </a:endParaRPr>
+          </a:p>
+        </p:txBody>
+      </p:sp>
+      <p:sp>
+        <p:nvSpPr>
+          <p:cNvPr id="48" name="TextBox 47">
+            <a:extLst>
+              <a:ext uri="{FF2B5EF4-FFF2-40B4-BE49-F238E27FC236}">
+                <a16:creationId xmlns:a16="http://schemas.microsoft.com/office/drawing/2014/main" id="{91B5894C-404A-4609-84CD-09F0471C58AC}"/>
+              </a:ext>
+            </a:extLst>
+          </p:cNvPr>
+          <p:cNvSpPr txBox="1"/>
+          <p:nvPr/>
+        </p:nvSpPr>
+        <p:spPr>
+          <a:xfrm>
+            <a:off x="5515134" y="3688099"/>
+            <a:ext cx="966931" cy="369332"/>
+          </a:xfrm>
+          <a:prstGeom prst="rect">
+            <a:avLst/>
+          </a:prstGeom>
+          <a:noFill/>
+        </p:spPr>
+        <p:txBody>
+          <a:bodyPr wrap="none" rtlCol="0">
+            <a:spAutoFit/>
+          </a:bodyPr>
+          <a:lstStyle/>
+          <a:p>
+            <a:pPr lvl="0"/>
+            <a:r>
+              <a:rPr lang="en-US" b="1" kern="0" dirty="0">
+                <a:solidFill>
+                  <a:srgbClr val="7030A0"/>
+                </a:solidFill>
+              </a:rPr>
+              <a:t>50 ft-lbs</a:t>
+            </a:r>
+            <a:endParaRPr kumimoji="0" lang="en-US" sz="1800" b="1" i="0" u="none" strike="noStrike" kern="0" cap="none" spc="0" normalizeH="0" baseline="0" noProof="0" dirty="0">
+              <a:ln>
+                <a:noFill/>
+              </a:ln>
+              <a:solidFill>
+                <a:srgbClr val="7030A0"/>
+              </a:solidFill>
+              <a:effectLst/>
+              <a:uLnTx/>
+              <a:uFillTx/>
+            </a:endParaRPr>
+          </a:p>
+        </p:txBody>
+      </p:sp>
+      <p:sp>
+        <p:nvSpPr>
+          <p:cNvPr id="49" name="TextBox 48">
+            <a:extLst>
+              <a:ext uri="{FF2B5EF4-FFF2-40B4-BE49-F238E27FC236}">
+                <a16:creationId xmlns:a16="http://schemas.microsoft.com/office/drawing/2014/main" id="{CDCE1968-3D51-4F68-B39C-D9056DE0BD8B}"/>
+              </a:ext>
+            </a:extLst>
+          </p:cNvPr>
+          <p:cNvSpPr txBox="1"/>
+          <p:nvPr/>
+        </p:nvSpPr>
+        <p:spPr>
+          <a:xfrm>
+            <a:off x="2851568" y="3291959"/>
+            <a:ext cx="309700" cy="369332"/>
+          </a:xfrm>
+          <a:prstGeom prst="rect">
+            <a:avLst/>
+          </a:prstGeom>
+          <a:noFill/>
+        </p:spPr>
+        <p:txBody>
+          <a:bodyPr wrap="none" rtlCol="0">
+            <a:spAutoFit/>
+          </a:bodyPr>
+          <a:lstStyle/>
+          <a:p>
+            <a:pPr marL="0" marR="0" lvl="0" indent="0" defTabSz="914400" eaLnBrk="1" fontAlgn="auto" latinLnBrk="0" hangingPunct="1">
+              <a:lnSpc>
+                <a:spcPct val="100000"/>
+              </a:lnSpc>
+              <a:spcBef>
+                <a:spcPts val="0"/>
+              </a:spcBef>
+              <a:spcAft>
+                <a:spcPts val="0"/>
+              </a:spcAft>
+              <a:buClrTx/>
+              <a:buSzTx/>
+              <a:buFontTx/>
+              <a:buNone/>
+              <a:tabLst/>
+              <a:defRPr/>
+            </a:pPr>
+            <a:r>
+              <a:rPr kumimoji="0" lang="en-US" sz="1800" b="0" i="0" u="none" strike="noStrike" kern="0" cap="none" spc="0" normalizeH="0" baseline="0" noProof="0" dirty="0">
+                <a:ln>
+                  <a:noFill/>
+                </a:ln>
+                <a:solidFill>
+                  <a:prstClr val="black"/>
+                </a:solidFill>
+                <a:effectLst/>
+                <a:uLnTx/>
+                <a:uFillTx/>
+              </a:rPr>
+              <a:t>B</a:t>
+            </a:r>
+          </a:p>
+        </p:txBody>
+      </p:sp>
+      <p:sp>
+        <p:nvSpPr>
+          <p:cNvPr id="50" name="TextBox 49">
+            <a:extLst>
+              <a:ext uri="{FF2B5EF4-FFF2-40B4-BE49-F238E27FC236}">
+                <a16:creationId xmlns:a16="http://schemas.microsoft.com/office/drawing/2014/main" id="{E47E9F81-47B6-4A1D-8828-6BA0C56B1E17}"/>
+              </a:ext>
+            </a:extLst>
+          </p:cNvPr>
+          <p:cNvSpPr txBox="1"/>
+          <p:nvPr/>
+        </p:nvSpPr>
+        <p:spPr>
+          <a:xfrm>
+            <a:off x="1357400" y="3291959"/>
+            <a:ext cx="317716" cy="369332"/>
+          </a:xfrm>
+          <a:prstGeom prst="rect">
+            <a:avLst/>
+          </a:prstGeom>
+          <a:noFill/>
+        </p:spPr>
+        <p:txBody>
+          <a:bodyPr wrap="none" rtlCol="0">
+            <a:spAutoFit/>
+          </a:bodyPr>
+          <a:lstStyle/>
+          <a:p>
+            <a:pPr marL="0" marR="0" lvl="0" indent="0" defTabSz="914400" eaLnBrk="1" fontAlgn="auto" latinLnBrk="0" hangingPunct="1">
+              <a:lnSpc>
+                <a:spcPct val="100000"/>
+              </a:lnSpc>
+              <a:spcBef>
+                <a:spcPts val="0"/>
+              </a:spcBef>
+              <a:spcAft>
+                <a:spcPts val="0"/>
+              </a:spcAft>
+              <a:buClrTx/>
+              <a:buSzTx/>
+              <a:buFontTx/>
+              <a:buNone/>
+              <a:tabLst/>
+              <a:defRPr/>
+            </a:pPr>
+            <a:r>
+              <a:rPr kumimoji="0" lang="en-US" sz="1800" b="0" i="0" u="none" strike="noStrike" kern="0" cap="none" spc="0" normalizeH="0" baseline="0" noProof="0" dirty="0">
+                <a:ln>
+                  <a:noFill/>
+                </a:ln>
+                <a:solidFill>
+                  <a:prstClr val="black"/>
+                </a:solidFill>
+                <a:effectLst/>
+                <a:uLnTx/>
+                <a:uFillTx/>
+              </a:rPr>
+              <a:t>A</a:t>
+            </a:r>
+          </a:p>
+        </p:txBody>
+      </p:sp>
+      <p:sp>
+        <p:nvSpPr>
+          <p:cNvPr id="51" name="TextBox 50">
+            <a:extLst>
+              <a:ext uri="{FF2B5EF4-FFF2-40B4-BE49-F238E27FC236}">
+                <a16:creationId xmlns:a16="http://schemas.microsoft.com/office/drawing/2014/main" id="{5837C2A5-7A3A-4A12-AAB7-6382B3959BB3}"/>
+              </a:ext>
+            </a:extLst>
+          </p:cNvPr>
+          <p:cNvSpPr txBox="1"/>
+          <p:nvPr/>
+        </p:nvSpPr>
+        <p:spPr>
+          <a:xfrm>
+            <a:off x="4337720" y="3291959"/>
+            <a:ext cx="308098" cy="369332"/>
+          </a:xfrm>
+          <a:prstGeom prst="rect">
+            <a:avLst/>
+          </a:prstGeom>
+          <a:noFill/>
+        </p:spPr>
+        <p:txBody>
+          <a:bodyPr wrap="none" rtlCol="0">
+            <a:spAutoFit/>
+          </a:bodyPr>
+          <a:lstStyle/>
+          <a:p>
+            <a:pPr marL="0" marR="0" lvl="0" indent="0" defTabSz="914400" eaLnBrk="1" fontAlgn="auto" latinLnBrk="0" hangingPunct="1">
+              <a:lnSpc>
+                <a:spcPct val="100000"/>
+              </a:lnSpc>
+              <a:spcBef>
+                <a:spcPts val="0"/>
+              </a:spcBef>
+              <a:spcAft>
+                <a:spcPts val="0"/>
+              </a:spcAft>
+              <a:buClrTx/>
+              <a:buSzTx/>
+              <a:buFontTx/>
+              <a:buNone/>
+              <a:tabLst/>
+              <a:defRPr/>
+            </a:pPr>
+            <a:r>
+              <a:rPr kumimoji="0" lang="en-US" sz="1800" b="0" i="0" u="none" strike="noStrike" kern="0" cap="none" spc="0" normalizeH="0" baseline="0" noProof="0" dirty="0">
+                <a:ln>
+                  <a:noFill/>
+                </a:ln>
+                <a:solidFill>
+                  <a:prstClr val="black"/>
+                </a:solidFill>
+                <a:effectLst/>
+                <a:uLnTx/>
+                <a:uFillTx/>
+              </a:rPr>
+              <a:t>C</a:t>
+            </a:r>
+          </a:p>
+        </p:txBody>
+      </p:sp>
+    </p:spTree>
+    <p:extLst>
+      <p:ext uri="{BB962C8B-B14F-4D97-AF65-F5344CB8AC3E}">
+        <p14:creationId xmlns:p14="http://schemas.microsoft.com/office/powerpoint/2010/main" val="2441756063"/>
       </p:ext>
     </p:extLst>
   </p:cSld>
@@ -19920,21 +23290,6 @@
 </file>
 
 <file path=customXml/item1.xml><?xml version="1.0" encoding="utf-8"?>
-<?mso-contentType ?>
-<FormTemplates xmlns="http://schemas.microsoft.com/sharepoint/v3/contenttype/forms">
-  <Display>DocumentLibraryForm</Display>
-  <Edit>DocumentLibraryForm</Edit>
-  <New>DocumentLibraryForm</New>
-</FormTemplates>
-</file>
-
-<file path=customXml/item2.xml><?xml version="1.0" encoding="utf-8"?>
-<p:properties xmlns:p="http://schemas.microsoft.com/office/2006/metadata/properties" xmlns:xsi="http://www.w3.org/2001/XMLSchema-instance" xmlns:pc="http://schemas.microsoft.com/office/infopath/2007/PartnerControls">
-  <documentManagement/>
-</p:properties>
-</file>
-
-<file path=customXml/item3.xml><?xml version="1.0" encoding="utf-8"?>
 <ct:contentTypeSchema xmlns:ct="http://schemas.microsoft.com/office/2006/metadata/contentType" xmlns:ma="http://schemas.microsoft.com/office/2006/metadata/properties/metaAttributes" ct:_="" ma:_="" ma:contentTypeName="Document" ma:contentTypeID="0x010100A06DF21F5BB2734A800ED30F3F452129" ma:contentTypeVersion="12" ma:contentTypeDescription="Create a new document." ma:contentTypeScope="" ma:versionID="544d96a5fbac5de9d5d902b535c73fb2">
   <xsd:schema xmlns:xsd="http://www.w3.org/2001/XMLSchema" xmlns:xs="http://www.w3.org/2001/XMLSchema" xmlns:p="http://schemas.microsoft.com/office/2006/metadata/properties" xmlns:ns3="90d05cb5-950f-4f68-bc2c-e17794455b92" xmlns:ns4="b4eab9fa-dbb0-4082-8491-8bd54207a265" targetNamespace="http://schemas.microsoft.com/office/2006/metadata/properties" ma:root="true" ma:fieldsID="7a710efc71c2169bf9c05e5a40dddf12" ns3:_="" ns4:_="">
     <xsd:import namespace="90d05cb5-950f-4f68-bc2c-e17794455b92"/>
@@ -20151,24 +23506,22 @@
 </ct:contentTypeSchema>
 </file>
 
-<file path=customXml/itemProps1.xml><?xml version="1.0" encoding="utf-8"?>
-<ds:datastoreItem xmlns:ds="http://schemas.openxmlformats.org/officeDocument/2006/customXml" ds:itemID="{F5CF5F32-56DC-4068-8B04-457CF34A96F3}">
-  <ds:schemaRefs>
-    <ds:schemaRef ds:uri="http://schemas.microsoft.com/sharepoint/v3/contenttype/forms"/>
-  </ds:schemaRefs>
-</ds:datastoreItem>
+<file path=customXml/item2.xml><?xml version="1.0" encoding="utf-8"?>
+<p:properties xmlns:p="http://schemas.microsoft.com/office/2006/metadata/properties" xmlns:xsi="http://www.w3.org/2001/XMLSchema-instance" xmlns:pc="http://schemas.microsoft.com/office/infopath/2007/PartnerControls">
+  <documentManagement/>
+</p:properties>
 </file>
 
-<file path=customXml/itemProps2.xml><?xml version="1.0" encoding="utf-8"?>
-<ds:datastoreItem xmlns:ds="http://schemas.openxmlformats.org/officeDocument/2006/customXml" ds:itemID="{52EB1464-66D1-425A-BBB5-7A9312BBE9C4}">
-  <ds:schemaRefs>
-    <ds:schemaRef ds:uri="http://schemas.microsoft.com/office/2006/metadata/properties"/>
-    <ds:schemaRef ds:uri="http://schemas.microsoft.com/office/infopath/2007/PartnerControls"/>
-  </ds:schemaRefs>
-</ds:datastoreItem>
+<file path=customXml/item3.xml><?xml version="1.0" encoding="utf-8"?>
+<?mso-contentType ?>
+<FormTemplates xmlns="http://schemas.microsoft.com/sharepoint/v3/contenttype/forms">
+  <Display>DocumentLibraryForm</Display>
+  <Edit>DocumentLibraryForm</Edit>
+  <New>DocumentLibraryForm</New>
+</FormTemplates>
 </file>
 
-<file path=customXml/itemProps3.xml><?xml version="1.0" encoding="utf-8"?>
+<file path=customXml/itemProps1.xml><?xml version="1.0" encoding="utf-8"?>
 <ds:datastoreItem xmlns:ds="http://schemas.openxmlformats.org/officeDocument/2006/customXml" ds:itemID="{A43B8A4B-79FE-4529-931C-D64224FA70E3}">
   <ds:schemaRefs>
     <ds:schemaRef ds:uri="http://schemas.microsoft.com/office/2006/metadata/contentType"/>
@@ -20185,4 +23538,21 @@
     <ds:schemaRef ds:uri="http://schemas.microsoft.com/internal/obd"/>
   </ds:schemaRefs>
 </ds:datastoreItem>
+</file>
+
+<file path=customXml/itemProps2.xml><?xml version="1.0" encoding="utf-8"?>
+<ds:datastoreItem xmlns:ds="http://schemas.openxmlformats.org/officeDocument/2006/customXml" ds:itemID="{52EB1464-66D1-425A-BBB5-7A9312BBE9C4}">
+  <ds:schemaRefs>
+    <ds:schemaRef ds:uri="http://schemas.microsoft.com/office/2006/metadata/properties"/>
+    <ds:schemaRef ds:uri="http://schemas.microsoft.com/office/infopath/2007/PartnerControls"/>
+  </ds:schemaRefs>
+</ds:datastoreItem>
+</file>
+
+<file path=customXml/itemProps3.xml><?xml version="1.0" encoding="utf-8"?>
+<ds:datastoreItem xmlns:ds="http://schemas.openxmlformats.org/officeDocument/2006/customXml" ds:itemID="{F5CF5F32-56DC-4068-8B04-457CF34A96F3}">
+  <ds:schemaRefs>
+    <ds:schemaRef ds:uri="http://schemas.microsoft.com/sharepoint/v3/contenttype/forms"/>
+  </ds:schemaRefs>
+</ds:datastoreItem>
 </file>